--- a/BuyorBye.pptx
+++ b/BuyorBye.pptx
@@ -17,6 +17,10 @@
     <p:sldId id="262" r:id="rId13"/>
     <p:sldId id="263" r:id="rId14"/>
     <p:sldId id="264" r:id="rId15"/>
+    <p:sldId id="265" r:id="rId16"/>
+    <p:sldId id="266" r:id="rId17"/>
+    <p:sldId id="267" r:id="rId18"/>
+    <p:sldId id="268" r:id="rId19"/>
   </p:sldIdLst>
   <p:sldSz cy="5143500" cx="9144000"/>
   <p:notesSz cx="6858000" cy="9144000"/>
@@ -793,6 +797,610 @@
 </p:notes>
 </file>
 
+<file path=ppt/notesSlides/notesSlide10.xml><?xml version="1.0" encoding="utf-8"?>
+<p:notes xmlns:a="http://schemas.openxmlformats.org/drawingml/2006/main" xmlns:r="http://schemas.openxmlformats.org/officeDocument/2006/relationships" xmlns:mc="http://schemas.openxmlformats.org/markup-compatibility/2006" xmlns:mv="urn:schemas-microsoft-com:mac:vml" xmlns:p="http://schemas.openxmlformats.org/presentationml/2006/main" xmlns:c="http://schemas.openxmlformats.org/drawingml/2006/chart" xmlns:dgm="http://schemas.openxmlformats.org/drawingml/2006/diagram" xmlns:o="urn:schemas-microsoft-com:office:office" xmlns:v="urn:schemas-microsoft-com:vml" xmlns:pvml="urn:schemas-microsoft-com:office:powerpoint" xmlns:com="http://schemas.openxmlformats.org/drawingml/2006/compatibility" xmlns:p14="http://schemas.microsoft.com/office/powerpoint/2010/main" xmlns:p15="http://schemas.microsoft.com/office/powerpoint/2012/main" xmlns:ahyp="http://schemas.microsoft.com/office/drawing/2018/hyperlinkcolor" showMasterPhAnim="0" showMasterSp="0">
+  <p:cSld>
+    <p:spTree>
+      <p:nvGrpSpPr>
+        <p:cNvPr id="103" name="Shape 103"/>
+        <p:cNvGrpSpPr/>
+        <p:nvPr/>
+      </p:nvGrpSpPr>
+      <p:grpSpPr>
+        <a:xfrm>
+          <a:off x="0" y="0"/>
+          <a:ext cx="0" cy="0"/>
+          <a:chOff x="0" y="0"/>
+          <a:chExt cx="0" cy="0"/>
+        </a:xfrm>
+      </p:grpSpPr>
+      <p:sp>
+        <p:nvSpPr>
+          <p:cNvPr id="104" name="Google Shape;104;g2e6224acace_1_24:notes"/>
+          <p:cNvSpPr/>
+          <p:nvPr>
+            <p:ph idx="2" type="sldImg"/>
+          </p:nvPr>
+        </p:nvSpPr>
+        <p:spPr>
+          <a:xfrm>
+            <a:off x="381300" y="685800"/>
+            <a:ext cx="6096000" cy="3429000"/>
+          </a:xfrm>
+          <a:custGeom>
+            <a:rect b="b" l="l" r="r" t="t"/>
+            <a:pathLst>
+              <a:path extrusionOk="0" h="120000" w="120000">
+                <a:moveTo>
+                  <a:pt x="0" y="0"/>
+                </a:moveTo>
+                <a:lnTo>
+                  <a:pt x="120000" y="0"/>
+                </a:lnTo>
+                <a:lnTo>
+                  <a:pt x="120000" y="120000"/>
+                </a:lnTo>
+                <a:lnTo>
+                  <a:pt x="0" y="120000"/>
+                </a:lnTo>
+                <a:close/>
+              </a:path>
+            </a:pathLst>
+          </a:custGeom>
+        </p:spPr>
+      </p:sp>
+      <p:sp>
+        <p:nvSpPr>
+          <p:cNvPr id="105" name="Google Shape;105;g2e6224acace_1_24:notes"/>
+          <p:cNvSpPr txBox="1"/>
+          <p:nvPr>
+            <p:ph idx="1" type="body"/>
+          </p:nvPr>
+        </p:nvSpPr>
+        <p:spPr>
+          <a:xfrm>
+            <a:off x="685800" y="4343400"/>
+            <a:ext cx="5486400" cy="4114800"/>
+          </a:xfrm>
+          <a:prstGeom prst="rect">
+            <a:avLst/>
+          </a:prstGeom>
+        </p:spPr>
+        <p:txBody>
+          <a:bodyPr anchorCtr="0" anchor="t" bIns="91425" lIns="91425" spcFirstLastPara="1" rIns="91425" wrap="square" tIns="91425">
+            <a:noAutofit/>
+          </a:bodyPr>
+          <a:lstStyle/>
+          <a:p>
+            <a:pPr indent="0" lvl="0" marL="0" rtl="0" algn="l">
+              <a:spcBef>
+                <a:spcPts val="0"/>
+              </a:spcBef>
+              <a:spcAft>
+                <a:spcPts val="0"/>
+              </a:spcAft>
+              <a:buNone/>
+            </a:pPr>
+            <a:r>
+              <a:t/>
+            </a:r>
+            <a:endParaRPr/>
+          </a:p>
+        </p:txBody>
+      </p:sp>
+    </p:spTree>
+  </p:cSld>
+  <p:clrMapOvr>
+    <a:masterClrMapping/>
+  </p:clrMapOvr>
+</p:notes>
+</file>
+
+<file path=ppt/notesSlides/notesSlide11.xml><?xml version="1.0" encoding="utf-8"?>
+<p:notes xmlns:a="http://schemas.openxmlformats.org/drawingml/2006/main" xmlns:r="http://schemas.openxmlformats.org/officeDocument/2006/relationships" xmlns:mc="http://schemas.openxmlformats.org/markup-compatibility/2006" xmlns:mv="urn:schemas-microsoft-com:mac:vml" xmlns:p="http://schemas.openxmlformats.org/presentationml/2006/main" xmlns:c="http://schemas.openxmlformats.org/drawingml/2006/chart" xmlns:dgm="http://schemas.openxmlformats.org/drawingml/2006/diagram" xmlns:o="urn:schemas-microsoft-com:office:office" xmlns:v="urn:schemas-microsoft-com:vml" xmlns:pvml="urn:schemas-microsoft-com:office:powerpoint" xmlns:com="http://schemas.openxmlformats.org/drawingml/2006/compatibility" xmlns:p14="http://schemas.microsoft.com/office/powerpoint/2010/main" xmlns:p15="http://schemas.microsoft.com/office/powerpoint/2012/main" xmlns:ahyp="http://schemas.microsoft.com/office/drawing/2018/hyperlinkcolor" showMasterPhAnim="0" showMasterSp="0">
+  <p:cSld>
+    <p:spTree>
+      <p:nvGrpSpPr>
+        <p:cNvPr id="108" name="Shape 108"/>
+        <p:cNvGrpSpPr/>
+        <p:nvPr/>
+      </p:nvGrpSpPr>
+      <p:grpSpPr>
+        <a:xfrm>
+          <a:off x="0" y="0"/>
+          <a:ext cx="0" cy="0"/>
+          <a:chOff x="0" y="0"/>
+          <a:chExt cx="0" cy="0"/>
+        </a:xfrm>
+      </p:grpSpPr>
+      <p:sp>
+        <p:nvSpPr>
+          <p:cNvPr id="109" name="Google Shape;109;g2e6224acaaa_0_26:notes"/>
+          <p:cNvSpPr/>
+          <p:nvPr>
+            <p:ph idx="2" type="sldImg"/>
+          </p:nvPr>
+        </p:nvSpPr>
+        <p:spPr>
+          <a:xfrm>
+            <a:off x="381300" y="685800"/>
+            <a:ext cx="6096000" cy="3429000"/>
+          </a:xfrm>
+          <a:custGeom>
+            <a:rect b="b" l="l" r="r" t="t"/>
+            <a:pathLst>
+              <a:path extrusionOk="0" h="120000" w="120000">
+                <a:moveTo>
+                  <a:pt x="0" y="0"/>
+                </a:moveTo>
+                <a:lnTo>
+                  <a:pt x="120000" y="0"/>
+                </a:lnTo>
+                <a:lnTo>
+                  <a:pt x="120000" y="120000"/>
+                </a:lnTo>
+                <a:lnTo>
+                  <a:pt x="0" y="120000"/>
+                </a:lnTo>
+                <a:close/>
+              </a:path>
+            </a:pathLst>
+          </a:custGeom>
+        </p:spPr>
+      </p:sp>
+      <p:sp>
+        <p:nvSpPr>
+          <p:cNvPr id="110" name="Google Shape;110;g2e6224acaaa_0_26:notes"/>
+          <p:cNvSpPr txBox="1"/>
+          <p:nvPr>
+            <p:ph idx="1" type="body"/>
+          </p:nvPr>
+        </p:nvSpPr>
+        <p:spPr>
+          <a:xfrm>
+            <a:off x="685800" y="4343400"/>
+            <a:ext cx="5486400" cy="4114800"/>
+          </a:xfrm>
+          <a:prstGeom prst="rect">
+            <a:avLst/>
+          </a:prstGeom>
+        </p:spPr>
+        <p:txBody>
+          <a:bodyPr anchorCtr="0" anchor="t" bIns="91425" lIns="91425" spcFirstLastPara="1" rIns="91425" wrap="square" tIns="91425">
+            <a:noAutofit/>
+          </a:bodyPr>
+          <a:lstStyle/>
+          <a:p>
+            <a:pPr indent="0" lvl="0" marL="0" rtl="0" algn="l">
+              <a:lnSpc>
+                <a:spcPct val="115000"/>
+              </a:lnSpc>
+              <a:spcBef>
+                <a:spcPts val="1200"/>
+              </a:spcBef>
+              <a:spcAft>
+                <a:spcPts val="0"/>
+              </a:spcAft>
+              <a:buClr>
+                <a:schemeClr val="dk1"/>
+              </a:buClr>
+              <a:buSzPts val="1100"/>
+              <a:buFont typeface="Arial"/>
+              <a:buNone/>
+            </a:pPr>
+            <a:r>
+              <a:rPr lang="en">
+                <a:solidFill>
+                  <a:schemeClr val="dk1"/>
+                </a:solidFill>
+              </a:rPr>
+              <a:t>"In conclusion, our evaluation of the EMA Crossover and Machine Learning-based trading strategies using NVIDIA's stock data has provided several valuable insights.</a:t>
+            </a:r>
+            <a:endParaRPr>
+              <a:solidFill>
+                <a:schemeClr val="dk1"/>
+              </a:solidFill>
+            </a:endParaRPr>
+          </a:p>
+          <a:p>
+            <a:pPr indent="0" lvl="0" marL="0" rtl="0" algn="l">
+              <a:lnSpc>
+                <a:spcPct val="115000"/>
+              </a:lnSpc>
+              <a:spcBef>
+                <a:spcPts val="1200"/>
+              </a:spcBef>
+              <a:spcAft>
+                <a:spcPts val="0"/>
+              </a:spcAft>
+              <a:buClr>
+                <a:schemeClr val="dk1"/>
+              </a:buClr>
+              <a:buSzPts val="1100"/>
+              <a:buFont typeface="Arial"/>
+              <a:buNone/>
+            </a:pPr>
+            <a:r>
+              <a:rPr lang="en">
+                <a:solidFill>
+                  <a:schemeClr val="dk1"/>
+                </a:solidFill>
+              </a:rPr>
+              <a:t>The </a:t>
+            </a:r>
+            <a:r>
+              <a:rPr b="1" lang="en">
+                <a:solidFill>
+                  <a:schemeClr val="dk1"/>
+                </a:solidFill>
+              </a:rPr>
+              <a:t>EMA Crossover Strategy</a:t>
+            </a:r>
+            <a:r>
+              <a:rPr lang="en">
+                <a:solidFill>
+                  <a:schemeClr val="dk1"/>
+                </a:solidFill>
+              </a:rPr>
+              <a:t> demonstrated a significant ability to generate actionable trading signals that are straightforward to implement and interpret. This strategy, while not as robust in terms of raw returns as the machine learning models, offers a transparent and simple approach that could be particularly advantageous for new traders or those who prefer less complex systems. Its moderate returns and ease of use make it a viable option for those looking to apply traditional technical analysis techniques.</a:t>
+            </a:r>
+            <a:endParaRPr>
+              <a:solidFill>
+                <a:schemeClr val="dk1"/>
+              </a:solidFill>
+            </a:endParaRPr>
+          </a:p>
+          <a:p>
+            <a:pPr indent="0" lvl="0" marL="0" rtl="0" algn="l">
+              <a:lnSpc>
+                <a:spcPct val="115000"/>
+              </a:lnSpc>
+              <a:spcBef>
+                <a:spcPts val="1200"/>
+              </a:spcBef>
+              <a:spcAft>
+                <a:spcPts val="0"/>
+              </a:spcAft>
+              <a:buClr>
+                <a:schemeClr val="dk1"/>
+              </a:buClr>
+              <a:buSzPts val="1100"/>
+              <a:buFont typeface="Arial"/>
+              <a:buNone/>
+            </a:pPr>
+            <a:r>
+              <a:rPr lang="en">
+                <a:solidFill>
+                  <a:schemeClr val="dk1"/>
+                </a:solidFill>
+              </a:rPr>
+              <a:t>On the other hand, the </a:t>
+            </a:r>
+            <a:r>
+              <a:rPr b="1" lang="en">
+                <a:solidFill>
+                  <a:schemeClr val="dk1"/>
+                </a:solidFill>
+              </a:rPr>
+              <a:t>Machine Learning Strategies</a:t>
+            </a:r>
+            <a:r>
+              <a:rPr lang="en">
+                <a:solidFill>
+                  <a:schemeClr val="dk1"/>
+                </a:solidFill>
+              </a:rPr>
+              <a:t>, particularly the XGBoost model, showed superior performance in both risk-adjusted returns and overall profitability. These models have proven their capacity to effectively analyze large datasets and capture complex patterns that traditional analysis methods might miss. However, their sophistication requires a deeper understanding of algorithmic parameters and a careful approach to managing overfitting. For investors and traders looking to maximize returns while managing risk, these machine learning strategies present a compelling option.</a:t>
+            </a:r>
+            <a:endParaRPr>
+              <a:solidFill>
+                <a:schemeClr val="dk1"/>
+              </a:solidFill>
+            </a:endParaRPr>
+          </a:p>
+          <a:p>
+            <a:pPr indent="0" lvl="0" marL="0" rtl="0" algn="l">
+              <a:lnSpc>
+                <a:spcPct val="115000"/>
+              </a:lnSpc>
+              <a:spcBef>
+                <a:spcPts val="1200"/>
+              </a:spcBef>
+              <a:spcAft>
+                <a:spcPts val="0"/>
+              </a:spcAft>
+              <a:buClr>
+                <a:schemeClr val="dk1"/>
+              </a:buClr>
+              <a:buSzPts val="1100"/>
+              <a:buFont typeface="Arial"/>
+              <a:buNone/>
+            </a:pPr>
+            <a:r>
+              <a:rPr b="1" lang="en">
+                <a:solidFill>
+                  <a:schemeClr val="dk1"/>
+                </a:solidFill>
+              </a:rPr>
+              <a:t>Strategic Recommendations</a:t>
+            </a:r>
+            <a:r>
+              <a:rPr lang="en">
+                <a:solidFill>
+                  <a:schemeClr val="dk1"/>
+                </a:solidFill>
+              </a:rPr>
+              <a:t>: Moving forward, hybrid strategies that combine the simplicity and clarity of technical indicators with the predictive power of machine learning models may offer a balanced approach, providing both actionable insights and adaptability to market changes. Future research could explore integrating additional data sources, such as sentiment analysis and macroeconomic indicators, to further enhance the predictive capabilities of these models.</a:t>
+            </a:r>
+            <a:endParaRPr>
+              <a:solidFill>
+                <a:schemeClr val="dk1"/>
+              </a:solidFill>
+            </a:endParaRPr>
+          </a:p>
+          <a:p>
+            <a:pPr indent="0" lvl="0" marL="0" rtl="0" algn="l">
+              <a:lnSpc>
+                <a:spcPct val="115000"/>
+              </a:lnSpc>
+              <a:spcBef>
+                <a:spcPts val="1200"/>
+              </a:spcBef>
+              <a:spcAft>
+                <a:spcPts val="0"/>
+              </a:spcAft>
+              <a:buClr>
+                <a:schemeClr val="dk1"/>
+              </a:buClr>
+              <a:buSzPts val="1100"/>
+              <a:buFont typeface="Arial"/>
+              <a:buNone/>
+            </a:pPr>
+            <a:r>
+              <a:rPr lang="en">
+                <a:solidFill>
+                  <a:schemeClr val="dk1"/>
+                </a:solidFill>
+              </a:rPr>
+              <a:t>This project not only highlights the potential of sophisticated computational models in stock trading but also emphasizes the importance of aligning strategy choice with individual or institutional trading profiles and market conditions. As financial markets continue to evolve, the integration of advanced analytics will likely play an increasingly critical role in developing successful trading strategies.</a:t>
+            </a:r>
+            <a:endParaRPr>
+              <a:solidFill>
+                <a:schemeClr val="dk1"/>
+              </a:solidFill>
+            </a:endParaRPr>
+          </a:p>
+          <a:p>
+            <a:pPr indent="0" lvl="0" marL="0" rtl="0" algn="l">
+              <a:lnSpc>
+                <a:spcPct val="115000"/>
+              </a:lnSpc>
+              <a:spcBef>
+                <a:spcPts val="1200"/>
+              </a:spcBef>
+              <a:spcAft>
+                <a:spcPts val="1200"/>
+              </a:spcAft>
+              <a:buNone/>
+            </a:pPr>
+            <a:r>
+              <a:rPr lang="en">
+                <a:solidFill>
+                  <a:schemeClr val="dk1"/>
+                </a:solidFill>
+              </a:rPr>
+              <a:t>Thank you for your attention. I am now open to any questions you might have."</a:t>
+            </a:r>
+            <a:endParaRPr/>
+          </a:p>
+        </p:txBody>
+      </p:sp>
+    </p:spTree>
+  </p:cSld>
+  <p:clrMapOvr>
+    <a:masterClrMapping/>
+  </p:clrMapOvr>
+</p:notes>
+</file>
+
+<file path=ppt/notesSlides/notesSlide12.xml><?xml version="1.0" encoding="utf-8"?>
+<p:notes xmlns:a="http://schemas.openxmlformats.org/drawingml/2006/main" xmlns:r="http://schemas.openxmlformats.org/officeDocument/2006/relationships" xmlns:mc="http://schemas.openxmlformats.org/markup-compatibility/2006" xmlns:mv="urn:schemas-microsoft-com:mac:vml" xmlns:p="http://schemas.openxmlformats.org/presentationml/2006/main" xmlns:c="http://schemas.openxmlformats.org/drawingml/2006/chart" xmlns:dgm="http://schemas.openxmlformats.org/drawingml/2006/diagram" xmlns:o="urn:schemas-microsoft-com:office:office" xmlns:v="urn:schemas-microsoft-com:vml" xmlns:pvml="urn:schemas-microsoft-com:office:powerpoint" xmlns:com="http://schemas.openxmlformats.org/drawingml/2006/compatibility" xmlns:p14="http://schemas.microsoft.com/office/powerpoint/2010/main" xmlns:p15="http://schemas.microsoft.com/office/powerpoint/2012/main" xmlns:ahyp="http://schemas.microsoft.com/office/drawing/2018/hyperlinkcolor" showMasterPhAnim="0" showMasterSp="0">
+  <p:cSld>
+    <p:spTree>
+      <p:nvGrpSpPr>
+        <p:cNvPr id="114" name="Shape 114"/>
+        <p:cNvGrpSpPr/>
+        <p:nvPr/>
+      </p:nvGrpSpPr>
+      <p:grpSpPr>
+        <a:xfrm>
+          <a:off x="0" y="0"/>
+          <a:ext cx="0" cy="0"/>
+          <a:chOff x="0" y="0"/>
+          <a:chExt cx="0" cy="0"/>
+        </a:xfrm>
+      </p:grpSpPr>
+      <p:sp>
+        <p:nvSpPr>
+          <p:cNvPr id="115" name="Google Shape;115;g2e6224acaaa_0_31:notes"/>
+          <p:cNvSpPr/>
+          <p:nvPr>
+            <p:ph idx="2" type="sldImg"/>
+          </p:nvPr>
+        </p:nvSpPr>
+        <p:spPr>
+          <a:xfrm>
+            <a:off x="381300" y="685800"/>
+            <a:ext cx="6096000" cy="3429000"/>
+          </a:xfrm>
+          <a:custGeom>
+            <a:rect b="b" l="l" r="r" t="t"/>
+            <a:pathLst>
+              <a:path extrusionOk="0" h="120000" w="120000">
+                <a:moveTo>
+                  <a:pt x="0" y="0"/>
+                </a:moveTo>
+                <a:lnTo>
+                  <a:pt x="120000" y="0"/>
+                </a:lnTo>
+                <a:lnTo>
+                  <a:pt x="120000" y="120000"/>
+                </a:lnTo>
+                <a:lnTo>
+                  <a:pt x="0" y="120000"/>
+                </a:lnTo>
+                <a:close/>
+              </a:path>
+            </a:pathLst>
+          </a:custGeom>
+        </p:spPr>
+      </p:sp>
+      <p:sp>
+        <p:nvSpPr>
+          <p:cNvPr id="116" name="Google Shape;116;g2e6224acaaa_0_31:notes"/>
+          <p:cNvSpPr txBox="1"/>
+          <p:nvPr>
+            <p:ph idx="1" type="body"/>
+          </p:nvPr>
+        </p:nvSpPr>
+        <p:spPr>
+          <a:xfrm>
+            <a:off x="685800" y="4343400"/>
+            <a:ext cx="5486400" cy="4114800"/>
+          </a:xfrm>
+          <a:prstGeom prst="rect">
+            <a:avLst/>
+          </a:prstGeom>
+        </p:spPr>
+        <p:txBody>
+          <a:bodyPr anchorCtr="0" anchor="t" bIns="91425" lIns="91425" spcFirstLastPara="1" rIns="91425" wrap="square" tIns="91425">
+            <a:noAutofit/>
+          </a:bodyPr>
+          <a:lstStyle/>
+          <a:p>
+            <a:pPr indent="0" lvl="0" marL="0" rtl="0" algn="l">
+              <a:spcBef>
+                <a:spcPts val="0"/>
+              </a:spcBef>
+              <a:spcAft>
+                <a:spcPts val="0"/>
+              </a:spcAft>
+              <a:buNone/>
+            </a:pPr>
+            <a:r>
+              <a:t/>
+            </a:r>
+            <a:endParaRPr/>
+          </a:p>
+        </p:txBody>
+      </p:sp>
+    </p:spTree>
+  </p:cSld>
+  <p:clrMapOvr>
+    <a:masterClrMapping/>
+  </p:clrMapOvr>
+</p:notes>
+</file>
+
+<file path=ppt/notesSlides/notesSlide13.xml><?xml version="1.0" encoding="utf-8"?>
+<p:notes xmlns:a="http://schemas.openxmlformats.org/drawingml/2006/main" xmlns:r="http://schemas.openxmlformats.org/officeDocument/2006/relationships" xmlns:mc="http://schemas.openxmlformats.org/markup-compatibility/2006" xmlns:mv="urn:schemas-microsoft-com:mac:vml" xmlns:p="http://schemas.openxmlformats.org/presentationml/2006/main" xmlns:c="http://schemas.openxmlformats.org/drawingml/2006/chart" xmlns:dgm="http://schemas.openxmlformats.org/drawingml/2006/diagram" xmlns:o="urn:schemas-microsoft-com:office:office" xmlns:v="urn:schemas-microsoft-com:vml" xmlns:pvml="urn:schemas-microsoft-com:office:powerpoint" xmlns:com="http://schemas.openxmlformats.org/drawingml/2006/compatibility" xmlns:p14="http://schemas.microsoft.com/office/powerpoint/2010/main" xmlns:p15="http://schemas.microsoft.com/office/powerpoint/2012/main" xmlns:ahyp="http://schemas.microsoft.com/office/drawing/2018/hyperlinkcolor" showMasterPhAnim="0" showMasterSp="0">
+  <p:cSld>
+    <p:spTree>
+      <p:nvGrpSpPr>
+        <p:cNvPr id="120" name="Shape 120"/>
+        <p:cNvGrpSpPr/>
+        <p:nvPr/>
+      </p:nvGrpSpPr>
+      <p:grpSpPr>
+        <a:xfrm>
+          <a:off x="0" y="0"/>
+          <a:ext cx="0" cy="0"/>
+          <a:chOff x="0" y="0"/>
+          <a:chExt cx="0" cy="0"/>
+        </a:xfrm>
+      </p:grpSpPr>
+      <p:sp>
+        <p:nvSpPr>
+          <p:cNvPr id="121" name="Google Shape;121;g2e6224acaaa_0_36:notes"/>
+          <p:cNvSpPr/>
+          <p:nvPr>
+            <p:ph idx="2" type="sldImg"/>
+          </p:nvPr>
+        </p:nvSpPr>
+        <p:spPr>
+          <a:xfrm>
+            <a:off x="381300" y="685800"/>
+            <a:ext cx="6096000" cy="3429000"/>
+          </a:xfrm>
+          <a:custGeom>
+            <a:rect b="b" l="l" r="r" t="t"/>
+            <a:pathLst>
+              <a:path extrusionOk="0" h="120000" w="120000">
+                <a:moveTo>
+                  <a:pt x="0" y="0"/>
+                </a:moveTo>
+                <a:lnTo>
+                  <a:pt x="120000" y="0"/>
+                </a:lnTo>
+                <a:lnTo>
+                  <a:pt x="120000" y="120000"/>
+                </a:lnTo>
+                <a:lnTo>
+                  <a:pt x="0" y="120000"/>
+                </a:lnTo>
+                <a:close/>
+              </a:path>
+            </a:pathLst>
+          </a:custGeom>
+        </p:spPr>
+      </p:sp>
+      <p:sp>
+        <p:nvSpPr>
+          <p:cNvPr id="122" name="Google Shape;122;g2e6224acaaa_0_36:notes"/>
+          <p:cNvSpPr txBox="1"/>
+          <p:nvPr>
+            <p:ph idx="1" type="body"/>
+          </p:nvPr>
+        </p:nvSpPr>
+        <p:spPr>
+          <a:xfrm>
+            <a:off x="685800" y="4343400"/>
+            <a:ext cx="5486400" cy="4114800"/>
+          </a:xfrm>
+          <a:prstGeom prst="rect">
+            <a:avLst/>
+          </a:prstGeom>
+        </p:spPr>
+        <p:txBody>
+          <a:bodyPr anchorCtr="0" anchor="t" bIns="91425" lIns="91425" spcFirstLastPara="1" rIns="91425" wrap="square" tIns="91425">
+            <a:noAutofit/>
+          </a:bodyPr>
+          <a:lstStyle/>
+          <a:p>
+            <a:pPr indent="0" lvl="0" marL="0" rtl="0" algn="l">
+              <a:spcBef>
+                <a:spcPts val="0"/>
+              </a:spcBef>
+              <a:spcAft>
+                <a:spcPts val="0"/>
+              </a:spcAft>
+              <a:buNone/>
+            </a:pPr>
+            <a:r>
+              <a:t/>
+            </a:r>
+            <a:endParaRPr/>
+          </a:p>
+        </p:txBody>
+      </p:sp>
+    </p:spTree>
+  </p:cSld>
+  <p:clrMapOvr>
+    <a:masterClrMapping/>
+  </p:clrMapOvr>
+</p:notes>
+</file>
+
 <file path=ppt/notesSlides/notesSlide2.xml><?xml version="1.0" encoding="utf-8"?>
 <p:notes xmlns:a="http://schemas.openxmlformats.org/drawingml/2006/main" xmlns:r="http://schemas.openxmlformats.org/officeDocument/2006/relationships" xmlns:mc="http://schemas.openxmlformats.org/markup-compatibility/2006" xmlns:mv="urn:schemas-microsoft-com:mac:vml" xmlns:p="http://schemas.openxmlformats.org/presentationml/2006/main" xmlns:c="http://schemas.openxmlformats.org/drawingml/2006/chart" xmlns:dgm="http://schemas.openxmlformats.org/drawingml/2006/diagram" xmlns:o="urn:schemas-microsoft-com:office:office" xmlns:v="urn:schemas-microsoft-com:vml" xmlns:pvml="urn:schemas-microsoft-com:office:powerpoint" xmlns:com="http://schemas.openxmlformats.org/drawingml/2006/compatibility" xmlns:p14="http://schemas.microsoft.com/office/powerpoint/2010/main" xmlns:p15="http://schemas.microsoft.com/office/powerpoint/2012/main" xmlns:ahyp="http://schemas.microsoft.com/office/drawing/2018/hyperlinkcolor" showMasterPhAnim="0" showMasterSp="0">
   <p:cSld>
@@ -2043,7 +2651,7 @@
       </p:grpSpPr>
       <p:sp>
         <p:nvSpPr>
-          <p:cNvPr id="89" name="Google Shape;89;g2e6224acaaa_0_26:notes"/>
+          <p:cNvPr id="89" name="Google Shape;89;g2e6224acace_1_6:notes"/>
           <p:cNvSpPr/>
           <p:nvPr>
             <p:ph idx="2" type="sldImg"/>
@@ -2078,7 +2686,7 @@
       </p:sp>
       <p:sp>
         <p:nvSpPr>
-          <p:cNvPr id="90" name="Google Shape;90;g2e6224acaaa_0_26:notes"/>
+          <p:cNvPr id="90" name="Google Shape;90;g2e6224acace_1_6:notes"/>
           <p:cNvSpPr txBox="1"/>
           <p:nvPr>
             <p:ph idx="1" type="body"/>
@@ -2100,224 +2708,16 @@
           <a:lstStyle/>
           <a:p>
             <a:pPr indent="0" lvl="0" marL="0" rtl="0" algn="l">
-              <a:lnSpc>
-                <a:spcPct val="115000"/>
-              </a:lnSpc>
-              <a:spcBef>
-                <a:spcPts val="1200"/>
-              </a:spcBef>
-              <a:spcAft>
-                <a:spcPts val="0"/>
-              </a:spcAft>
-              <a:buClr>
-                <a:schemeClr val="dk1"/>
-              </a:buClr>
-              <a:buSzPts val="1100"/>
-              <a:buFont typeface="Arial"/>
+              <a:spcBef>
+                <a:spcPts val="0"/>
+              </a:spcBef>
+              <a:spcAft>
+                <a:spcPts val="0"/>
+              </a:spcAft>
               <a:buNone/>
             </a:pPr>
             <a:r>
-              <a:rPr lang="en">
-                <a:solidFill>
-                  <a:schemeClr val="dk1"/>
-                </a:solidFill>
-              </a:rPr>
-              <a:t>"In conclusion, our evaluation of the EMA Crossover and Machine Learning-based trading strategies using NVIDIA's stock data has provided several valuable insights.</a:t>
-            </a:r>
-            <a:endParaRPr>
-              <a:solidFill>
-                <a:schemeClr val="dk1"/>
-              </a:solidFill>
-            </a:endParaRPr>
-          </a:p>
-          <a:p>
-            <a:pPr indent="0" lvl="0" marL="0" rtl="0" algn="l">
-              <a:lnSpc>
-                <a:spcPct val="115000"/>
-              </a:lnSpc>
-              <a:spcBef>
-                <a:spcPts val="1200"/>
-              </a:spcBef>
-              <a:spcAft>
-                <a:spcPts val="0"/>
-              </a:spcAft>
-              <a:buClr>
-                <a:schemeClr val="dk1"/>
-              </a:buClr>
-              <a:buSzPts val="1100"/>
-              <a:buFont typeface="Arial"/>
-              <a:buNone/>
-            </a:pPr>
-            <a:r>
-              <a:rPr lang="en">
-                <a:solidFill>
-                  <a:schemeClr val="dk1"/>
-                </a:solidFill>
-              </a:rPr>
-              <a:t>The </a:t>
-            </a:r>
-            <a:r>
-              <a:rPr b="1" lang="en">
-                <a:solidFill>
-                  <a:schemeClr val="dk1"/>
-                </a:solidFill>
-              </a:rPr>
-              <a:t>EMA Crossover Strategy</a:t>
-            </a:r>
-            <a:r>
-              <a:rPr lang="en">
-                <a:solidFill>
-                  <a:schemeClr val="dk1"/>
-                </a:solidFill>
-              </a:rPr>
-              <a:t> demonstrated a significant ability to generate actionable trading signals that are straightforward to implement and interpret. This strategy, while not as robust in terms of raw returns as the machine learning models, offers a transparent and simple approach that could be particularly advantageous for new traders or those who prefer less complex systems. Its moderate returns and ease of use make it a viable option for those looking to apply traditional technical analysis techniques.</a:t>
-            </a:r>
-            <a:endParaRPr>
-              <a:solidFill>
-                <a:schemeClr val="dk1"/>
-              </a:solidFill>
-            </a:endParaRPr>
-          </a:p>
-          <a:p>
-            <a:pPr indent="0" lvl="0" marL="0" rtl="0" algn="l">
-              <a:lnSpc>
-                <a:spcPct val="115000"/>
-              </a:lnSpc>
-              <a:spcBef>
-                <a:spcPts val="1200"/>
-              </a:spcBef>
-              <a:spcAft>
-                <a:spcPts val="0"/>
-              </a:spcAft>
-              <a:buClr>
-                <a:schemeClr val="dk1"/>
-              </a:buClr>
-              <a:buSzPts val="1100"/>
-              <a:buFont typeface="Arial"/>
-              <a:buNone/>
-            </a:pPr>
-            <a:r>
-              <a:rPr lang="en">
-                <a:solidFill>
-                  <a:schemeClr val="dk1"/>
-                </a:solidFill>
-              </a:rPr>
-              <a:t>On the other hand, the </a:t>
-            </a:r>
-            <a:r>
-              <a:rPr b="1" lang="en">
-                <a:solidFill>
-                  <a:schemeClr val="dk1"/>
-                </a:solidFill>
-              </a:rPr>
-              <a:t>Machine Learning Strategies</a:t>
-            </a:r>
-            <a:r>
-              <a:rPr lang="en">
-                <a:solidFill>
-                  <a:schemeClr val="dk1"/>
-                </a:solidFill>
-              </a:rPr>
-              <a:t>, particularly the XGBoost model, showed superior performance in both risk-adjusted returns and overall profitability. These models have proven their capacity to effectively analyze large datasets and capture complex patterns that traditional analysis methods might miss. However, their sophistication requires a deeper understanding of algorithmic parameters and a careful approach to managing overfitting. For investors and traders looking to maximize returns while managing risk, these machine learning strategies present a compelling option.</a:t>
-            </a:r>
-            <a:endParaRPr>
-              <a:solidFill>
-                <a:schemeClr val="dk1"/>
-              </a:solidFill>
-            </a:endParaRPr>
-          </a:p>
-          <a:p>
-            <a:pPr indent="0" lvl="0" marL="0" rtl="0" algn="l">
-              <a:lnSpc>
-                <a:spcPct val="115000"/>
-              </a:lnSpc>
-              <a:spcBef>
-                <a:spcPts val="1200"/>
-              </a:spcBef>
-              <a:spcAft>
-                <a:spcPts val="0"/>
-              </a:spcAft>
-              <a:buClr>
-                <a:schemeClr val="dk1"/>
-              </a:buClr>
-              <a:buSzPts val="1100"/>
-              <a:buFont typeface="Arial"/>
-              <a:buNone/>
-            </a:pPr>
-            <a:r>
-              <a:rPr b="1" lang="en">
-                <a:solidFill>
-                  <a:schemeClr val="dk1"/>
-                </a:solidFill>
-              </a:rPr>
-              <a:t>Strategic Recommendations</a:t>
-            </a:r>
-            <a:r>
-              <a:rPr lang="en">
-                <a:solidFill>
-                  <a:schemeClr val="dk1"/>
-                </a:solidFill>
-              </a:rPr>
-              <a:t>: Moving forward, hybrid strategies that combine the simplicity and clarity of technical indicators with the predictive power of machine learning models may offer a balanced approach, providing both actionable insights and adaptability to market changes. Future research could explore integrating additional data sources, such as sentiment analysis and macroeconomic indicators, to further enhance the predictive capabilities of these models.</a:t>
-            </a:r>
-            <a:endParaRPr>
-              <a:solidFill>
-                <a:schemeClr val="dk1"/>
-              </a:solidFill>
-            </a:endParaRPr>
-          </a:p>
-          <a:p>
-            <a:pPr indent="0" lvl="0" marL="0" rtl="0" algn="l">
-              <a:lnSpc>
-                <a:spcPct val="115000"/>
-              </a:lnSpc>
-              <a:spcBef>
-                <a:spcPts val="1200"/>
-              </a:spcBef>
-              <a:spcAft>
-                <a:spcPts val="0"/>
-              </a:spcAft>
-              <a:buClr>
-                <a:schemeClr val="dk1"/>
-              </a:buClr>
-              <a:buSzPts val="1100"/>
-              <a:buFont typeface="Arial"/>
-              <a:buNone/>
-            </a:pPr>
-            <a:r>
-              <a:rPr lang="en">
-                <a:solidFill>
-                  <a:schemeClr val="dk1"/>
-                </a:solidFill>
-              </a:rPr>
-              <a:t>This project not only highlights the potential of sophisticated computational models in stock trading but also emphasizes the importance of aligning strategy choice with individual or institutional trading profiles and market conditions. As financial markets continue to evolve, the integration of advanced analytics will likely play an increasingly critical role in developing successful trading strategies.</a:t>
-            </a:r>
-            <a:endParaRPr>
-              <a:solidFill>
-                <a:schemeClr val="dk1"/>
-              </a:solidFill>
-            </a:endParaRPr>
-          </a:p>
-          <a:p>
-            <a:pPr indent="0" lvl="0" marL="0" rtl="0" algn="l">
-              <a:lnSpc>
-                <a:spcPct val="115000"/>
-              </a:lnSpc>
-              <a:spcBef>
-                <a:spcPts val="1200"/>
-              </a:spcBef>
-              <a:spcAft>
-                <a:spcPts val="1200"/>
-              </a:spcAft>
-              <a:buNone/>
-            </a:pPr>
-            <a:r>
-              <a:rPr lang="en">
-                <a:solidFill>
-                  <a:schemeClr val="dk1"/>
-                </a:solidFill>
-              </a:rPr>
-              <a:t>Thank you for your attention. I am now open to any questions you might have."</a:t>
+              <a:t/>
             </a:r>
             <a:endParaRPr/>
           </a:p>
@@ -2336,7 +2736,7 @@
   <p:cSld>
     <p:spTree>
       <p:nvGrpSpPr>
-        <p:cNvPr id="94" name="Shape 94"/>
+        <p:cNvPr id="93" name="Shape 93"/>
         <p:cNvGrpSpPr/>
         <p:nvPr/>
       </p:nvGrpSpPr>
@@ -2350,7 +2750,7 @@
       </p:grpSpPr>
       <p:sp>
         <p:nvSpPr>
-          <p:cNvPr id="95" name="Google Shape;95;g2e6224acaaa_0_31:notes"/>
+          <p:cNvPr id="94" name="Google Shape;94;g2e6224acace_1_12:notes"/>
           <p:cNvSpPr/>
           <p:nvPr>
             <p:ph idx="2" type="sldImg"/>
@@ -2385,7 +2785,7 @@
       </p:sp>
       <p:sp>
         <p:nvSpPr>
-          <p:cNvPr id="96" name="Google Shape;96;g2e6224acaaa_0_31:notes"/>
+          <p:cNvPr id="95" name="Google Shape;95;g2e6224acace_1_12:notes"/>
           <p:cNvSpPr txBox="1"/>
           <p:nvPr>
             <p:ph idx="1" type="body"/>
@@ -2435,7 +2835,7 @@
   <p:cSld>
     <p:spTree>
       <p:nvGrpSpPr>
-        <p:cNvPr id="100" name="Shape 100"/>
+        <p:cNvPr id="98" name="Shape 98"/>
         <p:cNvGrpSpPr/>
         <p:nvPr/>
       </p:nvGrpSpPr>
@@ -2449,7 +2849,7 @@
       </p:grpSpPr>
       <p:sp>
         <p:nvSpPr>
-          <p:cNvPr id="101" name="Google Shape;101;g2e6224acaaa_0_36:notes"/>
+          <p:cNvPr id="99" name="Google Shape;99;g2e6224acace_1_18:notes"/>
           <p:cNvSpPr/>
           <p:nvPr>
             <p:ph idx="2" type="sldImg"/>
@@ -2484,7 +2884,7 @@
       </p:sp>
       <p:sp>
         <p:nvSpPr>
-          <p:cNvPr id="102" name="Google Shape;102;g2e6224acaaa_0_36:notes"/>
+          <p:cNvPr id="100" name="Google Shape;100;g2e6224acace_1_18:notes"/>
           <p:cNvSpPr txBox="1"/>
           <p:nvPr>
             <p:ph idx="1" type="body"/>
@@ -7333,6 +7733,1467 @@
 </p:sld>
 </file>
 
+<file path=ppt/slides/slide10.xml><?xml version="1.0" encoding="utf-8"?>
+<p:sld xmlns:a="http://schemas.openxmlformats.org/drawingml/2006/main" xmlns:r="http://schemas.openxmlformats.org/officeDocument/2006/relationships" xmlns:mc="http://schemas.openxmlformats.org/markup-compatibility/2006" xmlns:mv="urn:schemas-microsoft-com:mac:vml" xmlns:p="http://schemas.openxmlformats.org/presentationml/2006/main" xmlns:c="http://schemas.openxmlformats.org/drawingml/2006/chart" xmlns:dgm="http://schemas.openxmlformats.org/drawingml/2006/diagram" xmlns:o="urn:schemas-microsoft-com:office:office" xmlns:v="urn:schemas-microsoft-com:vml" xmlns:pvml="urn:schemas-microsoft-com:office:powerpoint" xmlns:com="http://schemas.openxmlformats.org/drawingml/2006/compatibility" xmlns:p14="http://schemas.microsoft.com/office/powerpoint/2010/main" xmlns:p15="http://schemas.microsoft.com/office/powerpoint/2012/main" xmlns:ahyp="http://schemas.microsoft.com/office/drawing/2018/hyperlinkcolor">
+  <p:cSld>
+    <p:spTree>
+      <p:nvGrpSpPr>
+        <p:cNvPr id="106" name="Shape 106"/>
+        <p:cNvGrpSpPr/>
+        <p:nvPr/>
+      </p:nvGrpSpPr>
+      <p:grpSpPr>
+        <a:xfrm>
+          <a:off x="0" y="0"/>
+          <a:ext cx="0" cy="0"/>
+          <a:chOff x="0" y="0"/>
+          <a:chExt cx="0" cy="0"/>
+        </a:xfrm>
+      </p:grpSpPr>
+      <p:pic>
+        <p:nvPicPr>
+          <p:cNvPr id="107" name="Google Shape;107;p22"/>
+          <p:cNvPicPr preferRelativeResize="0"/>
+          <p:nvPr/>
+        </p:nvPicPr>
+        <p:blipFill>
+          <a:blip r:embed="rId3">
+            <a:alphaModFix/>
+          </a:blip>
+          <a:stretch>
+            <a:fillRect/>
+          </a:stretch>
+        </p:blipFill>
+        <p:spPr>
+          <a:xfrm>
+            <a:off x="266975" y="361950"/>
+            <a:ext cx="8839200" cy="4419600"/>
+          </a:xfrm>
+          <a:prstGeom prst="rect">
+            <a:avLst/>
+          </a:prstGeom>
+          <a:noFill/>
+          <a:ln>
+            <a:noFill/>
+          </a:ln>
+        </p:spPr>
+      </p:pic>
+    </p:spTree>
+  </p:cSld>
+  <p:clrMapOvr>
+    <a:masterClrMapping/>
+  </p:clrMapOvr>
+</p:sld>
+</file>
+
+<file path=ppt/slides/slide11.xml><?xml version="1.0" encoding="utf-8"?>
+<p:sld xmlns:a="http://schemas.openxmlformats.org/drawingml/2006/main" xmlns:r="http://schemas.openxmlformats.org/officeDocument/2006/relationships" xmlns:mc="http://schemas.openxmlformats.org/markup-compatibility/2006" xmlns:mv="urn:schemas-microsoft-com:mac:vml" xmlns:p="http://schemas.openxmlformats.org/presentationml/2006/main" xmlns:c="http://schemas.openxmlformats.org/drawingml/2006/chart" xmlns:dgm="http://schemas.openxmlformats.org/drawingml/2006/diagram" xmlns:o="urn:schemas-microsoft-com:office:office" xmlns:v="urn:schemas-microsoft-com:vml" xmlns:pvml="urn:schemas-microsoft-com:office:powerpoint" xmlns:com="http://schemas.openxmlformats.org/drawingml/2006/compatibility" xmlns:p14="http://schemas.microsoft.com/office/powerpoint/2010/main" xmlns:p15="http://schemas.microsoft.com/office/powerpoint/2012/main" xmlns:ahyp="http://schemas.microsoft.com/office/drawing/2018/hyperlinkcolor">
+  <p:cSld>
+    <p:spTree>
+      <p:nvGrpSpPr>
+        <p:cNvPr id="111" name="Shape 111"/>
+        <p:cNvGrpSpPr/>
+        <p:nvPr/>
+      </p:nvGrpSpPr>
+      <p:grpSpPr>
+        <a:xfrm>
+          <a:off x="0" y="0"/>
+          <a:ext cx="0" cy="0"/>
+          <a:chOff x="0" y="0"/>
+          <a:chExt cx="0" cy="0"/>
+        </a:xfrm>
+      </p:grpSpPr>
+      <p:sp>
+        <p:nvSpPr>
+          <p:cNvPr id="112" name="Google Shape;112;p23"/>
+          <p:cNvSpPr txBox="1"/>
+          <p:nvPr>
+            <p:ph type="title"/>
+          </p:nvPr>
+        </p:nvSpPr>
+        <p:spPr>
+          <a:xfrm>
+            <a:off x="311700" y="445025"/>
+            <a:ext cx="8520600" cy="572700"/>
+          </a:xfrm>
+          <a:prstGeom prst="rect">
+            <a:avLst/>
+          </a:prstGeom>
+        </p:spPr>
+        <p:txBody>
+          <a:bodyPr anchorCtr="0" anchor="t" bIns="91425" lIns="91425" spcFirstLastPara="1" rIns="91425" wrap="square" tIns="91425">
+            <a:normAutofit fontScale="90000"/>
+          </a:bodyPr>
+          <a:lstStyle/>
+          <a:p>
+            <a:pPr indent="0" lvl="0" marL="0" rtl="0" algn="l">
+              <a:spcBef>
+                <a:spcPts val="0"/>
+              </a:spcBef>
+              <a:spcAft>
+                <a:spcPts val="0"/>
+              </a:spcAft>
+              <a:buNone/>
+            </a:pPr>
+            <a:r>
+              <a:rPr lang="en"/>
+              <a:t>Conclusion</a:t>
+            </a:r>
+            <a:endParaRPr/>
+          </a:p>
+        </p:txBody>
+      </p:sp>
+      <p:sp>
+        <p:nvSpPr>
+          <p:cNvPr id="113" name="Google Shape;113;p23"/>
+          <p:cNvSpPr txBox="1"/>
+          <p:nvPr>
+            <p:ph idx="1" type="body"/>
+          </p:nvPr>
+        </p:nvSpPr>
+        <p:spPr>
+          <a:xfrm>
+            <a:off x="311700" y="1152475"/>
+            <a:ext cx="8520600" cy="3416400"/>
+          </a:xfrm>
+          <a:prstGeom prst="rect">
+            <a:avLst/>
+          </a:prstGeom>
+        </p:spPr>
+        <p:txBody>
+          <a:bodyPr anchorCtr="0" anchor="t" bIns="91425" lIns="91425" spcFirstLastPara="1" rIns="91425" wrap="square" tIns="91425">
+            <a:normAutofit/>
+          </a:bodyPr>
+          <a:lstStyle/>
+          <a:p>
+            <a:pPr indent="0" lvl="0" marL="0" rtl="0" algn="l">
+              <a:lnSpc>
+                <a:spcPct val="95000"/>
+              </a:lnSpc>
+              <a:spcBef>
+                <a:spcPts val="1200"/>
+              </a:spcBef>
+              <a:spcAft>
+                <a:spcPts val="0"/>
+              </a:spcAft>
+              <a:buClr>
+                <a:schemeClr val="dk1"/>
+              </a:buClr>
+              <a:buSzPts val="1100"/>
+              <a:buFont typeface="Arial"/>
+              <a:buNone/>
+            </a:pPr>
+            <a:r>
+              <a:rPr b="1" lang="en" sz="1600">
+                <a:solidFill>
+                  <a:schemeClr val="dk1"/>
+                </a:solidFill>
+              </a:rPr>
+              <a:t>EMA Crossover Strategy:</a:t>
+            </a:r>
+            <a:endParaRPr b="1" sz="1600">
+              <a:solidFill>
+                <a:schemeClr val="dk1"/>
+              </a:solidFill>
+            </a:endParaRPr>
+          </a:p>
+          <a:p>
+            <a:pPr indent="-330200" lvl="0" marL="457200" rtl="0" algn="l">
+              <a:spcBef>
+                <a:spcPts val="1200"/>
+              </a:spcBef>
+              <a:spcAft>
+                <a:spcPts val="0"/>
+              </a:spcAft>
+              <a:buClr>
+                <a:schemeClr val="dk1"/>
+              </a:buClr>
+              <a:buSzPts val="1600"/>
+              <a:buChar char="●"/>
+            </a:pPr>
+            <a:r>
+              <a:rPr lang="en" sz="1600">
+                <a:solidFill>
+                  <a:schemeClr val="dk1"/>
+                </a:solidFill>
+              </a:rPr>
+              <a:t>Simple and actionable</a:t>
+            </a:r>
+            <a:endParaRPr sz="1600">
+              <a:solidFill>
+                <a:schemeClr val="dk1"/>
+              </a:solidFill>
+            </a:endParaRPr>
+          </a:p>
+          <a:p>
+            <a:pPr indent="-330200" lvl="0" marL="457200" rtl="0" algn="l">
+              <a:spcBef>
+                <a:spcPts val="0"/>
+              </a:spcBef>
+              <a:spcAft>
+                <a:spcPts val="0"/>
+              </a:spcAft>
+              <a:buClr>
+                <a:schemeClr val="dk1"/>
+              </a:buClr>
+              <a:buSzPts val="1600"/>
+              <a:buChar char="●"/>
+            </a:pPr>
+            <a:r>
+              <a:rPr lang="en" sz="1600">
+                <a:solidFill>
+                  <a:schemeClr val="dk1"/>
+                </a:solidFill>
+              </a:rPr>
+              <a:t>Moderate returns, suitable for new traders</a:t>
+            </a:r>
+            <a:endParaRPr sz="1600">
+              <a:solidFill>
+                <a:schemeClr val="dk1"/>
+              </a:solidFill>
+            </a:endParaRPr>
+          </a:p>
+          <a:p>
+            <a:pPr indent="0" lvl="0" marL="0" rtl="0" algn="l">
+              <a:spcBef>
+                <a:spcPts val="1200"/>
+              </a:spcBef>
+              <a:spcAft>
+                <a:spcPts val="0"/>
+              </a:spcAft>
+              <a:buClr>
+                <a:schemeClr val="dk1"/>
+              </a:buClr>
+              <a:buSzPts val="1100"/>
+              <a:buFont typeface="Arial"/>
+              <a:buNone/>
+            </a:pPr>
+            <a:r>
+              <a:rPr b="1" lang="en" sz="1600">
+                <a:solidFill>
+                  <a:schemeClr val="dk1"/>
+                </a:solidFill>
+              </a:rPr>
+              <a:t>Machine Learning Models:</a:t>
+            </a:r>
+            <a:endParaRPr b="1" sz="1600">
+              <a:solidFill>
+                <a:schemeClr val="dk1"/>
+              </a:solidFill>
+            </a:endParaRPr>
+          </a:p>
+          <a:p>
+            <a:pPr indent="-330200" lvl="0" marL="457200" rtl="0" algn="l">
+              <a:spcBef>
+                <a:spcPts val="1200"/>
+              </a:spcBef>
+              <a:spcAft>
+                <a:spcPts val="0"/>
+              </a:spcAft>
+              <a:buClr>
+                <a:schemeClr val="dk1"/>
+              </a:buClr>
+              <a:buSzPts val="1600"/>
+              <a:buChar char="●"/>
+            </a:pPr>
+            <a:r>
+              <a:rPr lang="en" sz="1600">
+                <a:solidFill>
+                  <a:schemeClr val="dk1"/>
+                </a:solidFill>
+              </a:rPr>
+              <a:t>Superior performance, higher risk-adjusted returns</a:t>
+            </a:r>
+            <a:endParaRPr sz="1600">
+              <a:solidFill>
+                <a:schemeClr val="dk1"/>
+              </a:solidFill>
+            </a:endParaRPr>
+          </a:p>
+          <a:p>
+            <a:pPr indent="-330200" lvl="0" marL="457200" rtl="0" algn="l">
+              <a:spcBef>
+                <a:spcPts val="0"/>
+              </a:spcBef>
+              <a:spcAft>
+                <a:spcPts val="0"/>
+              </a:spcAft>
+              <a:buClr>
+                <a:schemeClr val="dk1"/>
+              </a:buClr>
+              <a:buSzPts val="1600"/>
+              <a:buChar char="●"/>
+            </a:pPr>
+            <a:r>
+              <a:rPr lang="en" sz="1600">
+                <a:solidFill>
+                  <a:schemeClr val="dk1"/>
+                </a:solidFill>
+              </a:rPr>
+              <a:t>Requires deeper understanding and careful management</a:t>
+            </a:r>
+            <a:endParaRPr sz="1600">
+              <a:solidFill>
+                <a:schemeClr val="dk1"/>
+              </a:solidFill>
+            </a:endParaRPr>
+          </a:p>
+          <a:p>
+            <a:pPr indent="0" lvl="0" marL="0" rtl="0" algn="l">
+              <a:spcBef>
+                <a:spcPts val="1200"/>
+              </a:spcBef>
+              <a:spcAft>
+                <a:spcPts val="0"/>
+              </a:spcAft>
+              <a:buClr>
+                <a:schemeClr val="dk1"/>
+              </a:buClr>
+              <a:buSzPts val="1100"/>
+              <a:buFont typeface="Arial"/>
+              <a:buNone/>
+            </a:pPr>
+            <a:r>
+              <a:rPr b="1" lang="en" sz="1600">
+                <a:solidFill>
+                  <a:schemeClr val="dk1"/>
+                </a:solidFill>
+              </a:rPr>
+              <a:t>Strategic Recommendations:</a:t>
+            </a:r>
+            <a:endParaRPr b="1" sz="1600">
+              <a:solidFill>
+                <a:schemeClr val="dk1"/>
+              </a:solidFill>
+            </a:endParaRPr>
+          </a:p>
+          <a:p>
+            <a:pPr indent="-330200" lvl="0" marL="457200" rtl="0" algn="l">
+              <a:spcBef>
+                <a:spcPts val="1200"/>
+              </a:spcBef>
+              <a:spcAft>
+                <a:spcPts val="0"/>
+              </a:spcAft>
+              <a:buClr>
+                <a:schemeClr val="dk1"/>
+              </a:buClr>
+              <a:buSzPts val="1600"/>
+              <a:buChar char="●"/>
+            </a:pPr>
+            <a:r>
+              <a:rPr lang="en" sz="1600">
+                <a:solidFill>
+                  <a:schemeClr val="dk1"/>
+                </a:solidFill>
+              </a:rPr>
+              <a:t>Hybrid strategies combining EMA and ML</a:t>
+            </a:r>
+            <a:endParaRPr sz="1600">
+              <a:solidFill>
+                <a:schemeClr val="dk1"/>
+              </a:solidFill>
+            </a:endParaRPr>
+          </a:p>
+          <a:p>
+            <a:pPr indent="-330200" lvl="0" marL="457200" rtl="0" algn="l">
+              <a:spcBef>
+                <a:spcPts val="0"/>
+              </a:spcBef>
+              <a:spcAft>
+                <a:spcPts val="0"/>
+              </a:spcAft>
+              <a:buClr>
+                <a:schemeClr val="dk1"/>
+              </a:buClr>
+              <a:buSzPts val="1600"/>
+              <a:buChar char="●"/>
+            </a:pPr>
+            <a:r>
+              <a:rPr lang="en" sz="1600">
+                <a:solidFill>
+                  <a:schemeClr val="dk1"/>
+                </a:solidFill>
+              </a:rPr>
+              <a:t>Future exploration: Sentiment analysis, macroeconomic indicators</a:t>
+            </a:r>
+            <a:endParaRPr b="1" sz="1487">
+              <a:solidFill>
+                <a:schemeClr val="dk1"/>
+              </a:solidFill>
+            </a:endParaRPr>
+          </a:p>
+        </p:txBody>
+      </p:sp>
+    </p:spTree>
+  </p:cSld>
+  <p:clrMapOvr>
+    <a:masterClrMapping/>
+  </p:clrMapOvr>
+</p:sld>
+</file>
+
+<file path=ppt/slides/slide12.xml><?xml version="1.0" encoding="utf-8"?>
+<p:sld xmlns:a="http://schemas.openxmlformats.org/drawingml/2006/main" xmlns:r="http://schemas.openxmlformats.org/officeDocument/2006/relationships" xmlns:mc="http://schemas.openxmlformats.org/markup-compatibility/2006" xmlns:mv="urn:schemas-microsoft-com:mac:vml" xmlns:p="http://schemas.openxmlformats.org/presentationml/2006/main" xmlns:c="http://schemas.openxmlformats.org/drawingml/2006/chart" xmlns:dgm="http://schemas.openxmlformats.org/drawingml/2006/diagram" xmlns:o="urn:schemas-microsoft-com:office:office" xmlns:v="urn:schemas-microsoft-com:vml" xmlns:pvml="urn:schemas-microsoft-com:office:powerpoint" xmlns:com="http://schemas.openxmlformats.org/drawingml/2006/compatibility" xmlns:p14="http://schemas.microsoft.com/office/powerpoint/2010/main" xmlns:p15="http://schemas.microsoft.com/office/powerpoint/2012/main" xmlns:ahyp="http://schemas.microsoft.com/office/drawing/2018/hyperlinkcolor">
+  <p:cSld>
+    <p:spTree>
+      <p:nvGrpSpPr>
+        <p:cNvPr id="117" name="Shape 117"/>
+        <p:cNvGrpSpPr/>
+        <p:nvPr/>
+      </p:nvGrpSpPr>
+      <p:grpSpPr>
+        <a:xfrm>
+          <a:off x="0" y="0"/>
+          <a:ext cx="0" cy="0"/>
+          <a:chOff x="0" y="0"/>
+          <a:chExt cx="0" cy="0"/>
+        </a:xfrm>
+      </p:grpSpPr>
+      <p:sp>
+        <p:nvSpPr>
+          <p:cNvPr id="118" name="Google Shape;118;p24"/>
+          <p:cNvSpPr txBox="1"/>
+          <p:nvPr>
+            <p:ph type="title"/>
+          </p:nvPr>
+        </p:nvSpPr>
+        <p:spPr>
+          <a:xfrm>
+            <a:off x="311700" y="445025"/>
+            <a:ext cx="8520600" cy="572700"/>
+          </a:xfrm>
+          <a:prstGeom prst="rect">
+            <a:avLst/>
+          </a:prstGeom>
+        </p:spPr>
+        <p:txBody>
+          <a:bodyPr anchorCtr="0" anchor="t" bIns="91425" lIns="91425" spcFirstLastPara="1" rIns="91425" wrap="square" tIns="91425">
+            <a:normAutofit fontScale="90000"/>
+          </a:bodyPr>
+          <a:lstStyle/>
+          <a:p>
+            <a:pPr indent="0" lvl="0" marL="0" rtl="0" algn="l">
+              <a:spcBef>
+                <a:spcPts val="0"/>
+              </a:spcBef>
+              <a:spcAft>
+                <a:spcPts val="0"/>
+              </a:spcAft>
+              <a:buNone/>
+            </a:pPr>
+            <a:r>
+              <a:rPr lang="en"/>
+              <a:t>References</a:t>
+            </a:r>
+            <a:endParaRPr/>
+          </a:p>
+        </p:txBody>
+      </p:sp>
+      <p:sp>
+        <p:nvSpPr>
+          <p:cNvPr id="119" name="Google Shape;119;p24"/>
+          <p:cNvSpPr txBox="1"/>
+          <p:nvPr>
+            <p:ph idx="1" type="body"/>
+          </p:nvPr>
+        </p:nvSpPr>
+        <p:spPr>
+          <a:xfrm>
+            <a:off x="311700" y="1152475"/>
+            <a:ext cx="8520600" cy="3416400"/>
+          </a:xfrm>
+          <a:prstGeom prst="rect">
+            <a:avLst/>
+          </a:prstGeom>
+        </p:spPr>
+        <p:txBody>
+          <a:bodyPr anchorCtr="0" anchor="t" bIns="91425" lIns="91425" spcFirstLastPara="1" rIns="91425" wrap="square" tIns="91425">
+            <a:noAutofit/>
+          </a:bodyPr>
+          <a:lstStyle/>
+          <a:p>
+            <a:pPr indent="-323850" lvl="0" marL="457200" rtl="0" algn="just">
+              <a:lnSpc>
+                <a:spcPct val="115000"/>
+              </a:lnSpc>
+              <a:spcBef>
+                <a:spcPts val="0"/>
+              </a:spcBef>
+              <a:spcAft>
+                <a:spcPts val="0"/>
+              </a:spcAft>
+              <a:buClr>
+                <a:schemeClr val="dk1"/>
+              </a:buClr>
+              <a:buSzPts val="1500"/>
+              <a:buAutoNum type="arabicPeriod"/>
+            </a:pPr>
+            <a:r>
+              <a:rPr lang="en" sz="1500">
+                <a:solidFill>
+                  <a:schemeClr val="dk1"/>
+                </a:solidFill>
+                <a:latin typeface="Times New Roman"/>
+                <a:ea typeface="Times New Roman"/>
+                <a:cs typeface="Times New Roman"/>
+                <a:sym typeface="Times New Roman"/>
+              </a:rPr>
+              <a:t>Brown, D. P., &amp; Jennings, R. (1989). On technical analysis. </a:t>
+            </a:r>
+            <a:r>
+              <a:rPr i="1" lang="en" sz="1500">
+                <a:solidFill>
+                  <a:schemeClr val="dk1"/>
+                </a:solidFill>
+                <a:latin typeface="Times New Roman"/>
+                <a:ea typeface="Times New Roman"/>
+                <a:cs typeface="Times New Roman"/>
+                <a:sym typeface="Times New Roman"/>
+              </a:rPr>
+              <a:t>Review of Financial Studies</a:t>
+            </a:r>
+            <a:r>
+              <a:rPr lang="en" sz="1500">
+                <a:solidFill>
+                  <a:schemeClr val="dk1"/>
+                </a:solidFill>
+                <a:latin typeface="Times New Roman"/>
+                <a:ea typeface="Times New Roman"/>
+                <a:cs typeface="Times New Roman"/>
+                <a:sym typeface="Times New Roman"/>
+              </a:rPr>
+              <a:t>, 527-551.</a:t>
+            </a:r>
+            <a:endParaRPr sz="1500">
+              <a:solidFill>
+                <a:schemeClr val="dk1"/>
+              </a:solidFill>
+              <a:latin typeface="Times New Roman"/>
+              <a:ea typeface="Times New Roman"/>
+              <a:cs typeface="Times New Roman"/>
+              <a:sym typeface="Times New Roman"/>
+            </a:endParaRPr>
+          </a:p>
+          <a:p>
+            <a:pPr indent="-323850" lvl="0" marL="457200" rtl="0" algn="just">
+              <a:lnSpc>
+                <a:spcPct val="115000"/>
+              </a:lnSpc>
+              <a:spcBef>
+                <a:spcPts val="0"/>
+              </a:spcBef>
+              <a:spcAft>
+                <a:spcPts val="0"/>
+              </a:spcAft>
+              <a:buClr>
+                <a:schemeClr val="dk1"/>
+              </a:buClr>
+              <a:buSzPts val="1500"/>
+              <a:buAutoNum type="arabicPeriod"/>
+            </a:pPr>
+            <a:r>
+              <a:rPr lang="en" sz="1500">
+                <a:solidFill>
+                  <a:schemeClr val="dk1"/>
+                </a:solidFill>
+                <a:latin typeface="Times New Roman"/>
+                <a:ea typeface="Times New Roman"/>
+                <a:cs typeface="Times New Roman"/>
+                <a:sym typeface="Times New Roman"/>
+              </a:rPr>
+              <a:t>Huang, W. N.-Y. (2009). Forecasting stock market movement direction with support vector machine. </a:t>
+            </a:r>
+            <a:r>
+              <a:rPr i="1" lang="en" sz="1500">
+                <a:solidFill>
+                  <a:schemeClr val="dk1"/>
+                </a:solidFill>
+                <a:latin typeface="Times New Roman"/>
+                <a:ea typeface="Times New Roman"/>
+                <a:cs typeface="Times New Roman"/>
+                <a:sym typeface="Times New Roman"/>
+              </a:rPr>
+              <a:t>Computers &amp; Operations Research</a:t>
+            </a:r>
+            <a:r>
+              <a:rPr lang="en" sz="1500">
+                <a:solidFill>
+                  <a:schemeClr val="dk1"/>
+                </a:solidFill>
+                <a:latin typeface="Times New Roman"/>
+                <a:ea typeface="Times New Roman"/>
+                <a:cs typeface="Times New Roman"/>
+                <a:sym typeface="Times New Roman"/>
+              </a:rPr>
+              <a:t>, 2513-2522.</a:t>
+            </a:r>
+            <a:endParaRPr sz="1500">
+              <a:solidFill>
+                <a:schemeClr val="dk1"/>
+              </a:solidFill>
+              <a:latin typeface="Times New Roman"/>
+              <a:ea typeface="Times New Roman"/>
+              <a:cs typeface="Times New Roman"/>
+              <a:sym typeface="Times New Roman"/>
+            </a:endParaRPr>
+          </a:p>
+          <a:p>
+            <a:pPr indent="-323850" lvl="0" marL="457200" rtl="0" algn="just">
+              <a:lnSpc>
+                <a:spcPct val="115000"/>
+              </a:lnSpc>
+              <a:spcBef>
+                <a:spcPts val="0"/>
+              </a:spcBef>
+              <a:spcAft>
+                <a:spcPts val="0"/>
+              </a:spcAft>
+              <a:buClr>
+                <a:schemeClr val="dk1"/>
+              </a:buClr>
+              <a:buSzPts val="1500"/>
+              <a:buAutoNum type="arabicPeriod"/>
+            </a:pPr>
+            <a:r>
+              <a:rPr lang="en" sz="1500">
+                <a:solidFill>
+                  <a:schemeClr val="dk1"/>
+                </a:solidFill>
+                <a:latin typeface="Times New Roman"/>
+                <a:ea typeface="Times New Roman"/>
+                <a:cs typeface="Times New Roman"/>
+                <a:sym typeface="Times New Roman"/>
+              </a:rPr>
+              <a:t>Kearns, M., &amp; Nevmyvaka, Y. (2013). Machine learning for market microstructure and high-frequency trading. </a:t>
+            </a:r>
+            <a:r>
+              <a:rPr i="1" lang="en" sz="1500">
+                <a:solidFill>
+                  <a:schemeClr val="dk1"/>
+                </a:solidFill>
+                <a:latin typeface="Times New Roman"/>
+                <a:ea typeface="Times New Roman"/>
+                <a:cs typeface="Times New Roman"/>
+                <a:sym typeface="Times New Roman"/>
+              </a:rPr>
+              <a:t>Journal of Investment Strategies</a:t>
+            </a:r>
+            <a:r>
+              <a:rPr lang="en" sz="1500">
+                <a:solidFill>
+                  <a:schemeClr val="dk1"/>
+                </a:solidFill>
+                <a:latin typeface="Times New Roman"/>
+                <a:ea typeface="Times New Roman"/>
+                <a:cs typeface="Times New Roman"/>
+                <a:sym typeface="Times New Roman"/>
+              </a:rPr>
+              <a:t>, 83-105.</a:t>
+            </a:r>
+            <a:endParaRPr sz="1500">
+              <a:solidFill>
+                <a:schemeClr val="dk1"/>
+              </a:solidFill>
+              <a:latin typeface="Times New Roman"/>
+              <a:ea typeface="Times New Roman"/>
+              <a:cs typeface="Times New Roman"/>
+              <a:sym typeface="Times New Roman"/>
+            </a:endParaRPr>
+          </a:p>
+          <a:p>
+            <a:pPr indent="-323850" lvl="0" marL="457200" rtl="0" algn="just">
+              <a:lnSpc>
+                <a:spcPct val="115000"/>
+              </a:lnSpc>
+              <a:spcBef>
+                <a:spcPts val="0"/>
+              </a:spcBef>
+              <a:spcAft>
+                <a:spcPts val="0"/>
+              </a:spcAft>
+              <a:buClr>
+                <a:schemeClr val="dk1"/>
+              </a:buClr>
+              <a:buSzPts val="1500"/>
+              <a:buAutoNum type="arabicPeriod"/>
+            </a:pPr>
+            <a:r>
+              <a:rPr lang="en" sz="1500">
+                <a:solidFill>
+                  <a:schemeClr val="dk1"/>
+                </a:solidFill>
+                <a:latin typeface="Times New Roman"/>
+                <a:ea typeface="Times New Roman"/>
+                <a:cs typeface="Times New Roman"/>
+                <a:sym typeface="Times New Roman"/>
+              </a:rPr>
+              <a:t>Lopez de Prado, M. (2018). </a:t>
+            </a:r>
+            <a:r>
+              <a:rPr i="1" lang="en" sz="1500">
+                <a:solidFill>
+                  <a:schemeClr val="dk1"/>
+                </a:solidFill>
+                <a:latin typeface="Times New Roman"/>
+                <a:ea typeface="Times New Roman"/>
+                <a:cs typeface="Times New Roman"/>
+                <a:sym typeface="Times New Roman"/>
+              </a:rPr>
+              <a:t>Building Winning Algorithmic Trading Systems: A Trader's Journey From Data Mining to Monte Carlo Simulation to Live Trading.</a:t>
+            </a:r>
+            <a:r>
+              <a:rPr lang="en" sz="1500">
+                <a:solidFill>
+                  <a:schemeClr val="dk1"/>
+                </a:solidFill>
+                <a:latin typeface="Times New Roman"/>
+                <a:ea typeface="Times New Roman"/>
+                <a:cs typeface="Times New Roman"/>
+                <a:sym typeface="Times New Roman"/>
+              </a:rPr>
+              <a:t> Wiley.</a:t>
+            </a:r>
+            <a:endParaRPr sz="1500">
+              <a:solidFill>
+                <a:schemeClr val="dk1"/>
+              </a:solidFill>
+              <a:latin typeface="Times New Roman"/>
+              <a:ea typeface="Times New Roman"/>
+              <a:cs typeface="Times New Roman"/>
+              <a:sym typeface="Times New Roman"/>
+            </a:endParaRPr>
+          </a:p>
+          <a:p>
+            <a:pPr indent="-323850" lvl="0" marL="457200" rtl="0" algn="just">
+              <a:lnSpc>
+                <a:spcPct val="115000"/>
+              </a:lnSpc>
+              <a:spcBef>
+                <a:spcPts val="0"/>
+              </a:spcBef>
+              <a:spcAft>
+                <a:spcPts val="0"/>
+              </a:spcAft>
+              <a:buClr>
+                <a:schemeClr val="dk1"/>
+              </a:buClr>
+              <a:buSzPts val="1500"/>
+              <a:buAutoNum type="arabicPeriod"/>
+            </a:pPr>
+            <a:r>
+              <a:rPr lang="en" sz="1500">
+                <a:solidFill>
+                  <a:schemeClr val="dk1"/>
+                </a:solidFill>
+                <a:latin typeface="Times New Roman"/>
+                <a:ea typeface="Times New Roman"/>
+                <a:cs typeface="Times New Roman"/>
+                <a:sym typeface="Times New Roman"/>
+              </a:rPr>
+              <a:t>Murphy, J. J. (1999). </a:t>
+            </a:r>
+            <a:r>
+              <a:rPr i="1" lang="en" sz="1500">
+                <a:solidFill>
+                  <a:schemeClr val="dk1"/>
+                </a:solidFill>
+                <a:latin typeface="Times New Roman"/>
+                <a:ea typeface="Times New Roman"/>
+                <a:cs typeface="Times New Roman"/>
+                <a:sym typeface="Times New Roman"/>
+              </a:rPr>
+              <a:t>Technical Analysis of the Financial Markets: A Comprehensive Guide to Trading Methods and Applications.</a:t>
+            </a:r>
+            <a:r>
+              <a:rPr lang="en" sz="1500">
+                <a:solidFill>
+                  <a:schemeClr val="dk1"/>
+                </a:solidFill>
+                <a:latin typeface="Times New Roman"/>
+                <a:ea typeface="Times New Roman"/>
+                <a:cs typeface="Times New Roman"/>
+                <a:sym typeface="Times New Roman"/>
+              </a:rPr>
+              <a:t> New York: Institute of Finance.</a:t>
+            </a:r>
+            <a:endParaRPr sz="1500">
+              <a:solidFill>
+                <a:schemeClr val="dk1"/>
+              </a:solidFill>
+              <a:latin typeface="Times New Roman"/>
+              <a:ea typeface="Times New Roman"/>
+              <a:cs typeface="Times New Roman"/>
+              <a:sym typeface="Times New Roman"/>
+            </a:endParaRPr>
+          </a:p>
+          <a:p>
+            <a:pPr indent="-323850" lvl="0" marL="457200" rtl="0" algn="just">
+              <a:lnSpc>
+                <a:spcPct val="115000"/>
+              </a:lnSpc>
+              <a:spcBef>
+                <a:spcPts val="0"/>
+              </a:spcBef>
+              <a:spcAft>
+                <a:spcPts val="0"/>
+              </a:spcAft>
+              <a:buClr>
+                <a:schemeClr val="dk1"/>
+              </a:buClr>
+              <a:buSzPts val="1500"/>
+              <a:buAutoNum type="arabicPeriod"/>
+            </a:pPr>
+            <a:r>
+              <a:rPr lang="en" sz="1500">
+                <a:solidFill>
+                  <a:schemeClr val="dk1"/>
+                </a:solidFill>
+                <a:latin typeface="Times New Roman"/>
+                <a:ea typeface="Times New Roman"/>
+                <a:cs typeface="Times New Roman"/>
+                <a:sym typeface="Times New Roman"/>
+              </a:rPr>
+              <a:t>Patel, J. S. (2015). Predicting stock and stock price index movement using Trend Deterministic Data Preparation and machine learning techniques. </a:t>
+            </a:r>
+            <a:r>
+              <a:rPr i="1" lang="en" sz="1500">
+                <a:solidFill>
+                  <a:schemeClr val="dk1"/>
+                </a:solidFill>
+                <a:latin typeface="Times New Roman"/>
+                <a:ea typeface="Times New Roman"/>
+                <a:cs typeface="Times New Roman"/>
+                <a:sym typeface="Times New Roman"/>
+              </a:rPr>
+              <a:t>Expert Systems with Applications</a:t>
+            </a:r>
+            <a:r>
+              <a:rPr lang="en" sz="1500">
+                <a:solidFill>
+                  <a:schemeClr val="dk1"/>
+                </a:solidFill>
+                <a:latin typeface="Times New Roman"/>
+                <a:ea typeface="Times New Roman"/>
+                <a:cs typeface="Times New Roman"/>
+                <a:sym typeface="Times New Roman"/>
+              </a:rPr>
+              <a:t>, 259-268.</a:t>
+            </a:r>
+            <a:endParaRPr sz="1500">
+              <a:solidFill>
+                <a:schemeClr val="dk1"/>
+              </a:solidFill>
+              <a:latin typeface="Times New Roman"/>
+              <a:ea typeface="Times New Roman"/>
+              <a:cs typeface="Times New Roman"/>
+              <a:sym typeface="Times New Roman"/>
+            </a:endParaRPr>
+          </a:p>
+          <a:p>
+            <a:pPr indent="-323850" lvl="0" marL="457200" rtl="0" algn="just">
+              <a:lnSpc>
+                <a:spcPct val="115000"/>
+              </a:lnSpc>
+              <a:spcBef>
+                <a:spcPts val="0"/>
+              </a:spcBef>
+              <a:spcAft>
+                <a:spcPts val="0"/>
+              </a:spcAft>
+              <a:buClr>
+                <a:schemeClr val="dk1"/>
+              </a:buClr>
+              <a:buSzPts val="1500"/>
+              <a:buAutoNum type="arabicPeriod"/>
+            </a:pPr>
+            <a:r>
+              <a:rPr lang="en" sz="1500">
+                <a:solidFill>
+                  <a:schemeClr val="dk1"/>
+                </a:solidFill>
+                <a:latin typeface="Times New Roman"/>
+                <a:ea typeface="Times New Roman"/>
+                <a:cs typeface="Times New Roman"/>
+                <a:sym typeface="Times New Roman"/>
+              </a:rPr>
+              <a:t>Prado, M. L. (2018). </a:t>
+            </a:r>
+            <a:r>
+              <a:rPr i="1" lang="en" sz="1500">
+                <a:solidFill>
+                  <a:schemeClr val="dk1"/>
+                </a:solidFill>
+                <a:latin typeface="Times New Roman"/>
+                <a:ea typeface="Times New Roman"/>
+                <a:cs typeface="Times New Roman"/>
+                <a:sym typeface="Times New Roman"/>
+              </a:rPr>
+              <a:t>Advances in Financial Machine Learning.</a:t>
+            </a:r>
+            <a:r>
+              <a:rPr lang="en" sz="1500">
+                <a:solidFill>
+                  <a:schemeClr val="dk1"/>
+                </a:solidFill>
+                <a:latin typeface="Times New Roman"/>
+                <a:ea typeface="Times New Roman"/>
+                <a:cs typeface="Times New Roman"/>
+                <a:sym typeface="Times New Roman"/>
+              </a:rPr>
+              <a:t> Wiley.</a:t>
+            </a:r>
+            <a:endParaRPr sz="1500">
+              <a:solidFill>
+                <a:schemeClr val="dk1"/>
+              </a:solidFill>
+              <a:latin typeface="Times New Roman"/>
+              <a:ea typeface="Times New Roman"/>
+              <a:cs typeface="Times New Roman"/>
+              <a:sym typeface="Times New Roman"/>
+            </a:endParaRPr>
+          </a:p>
+          <a:p>
+            <a:pPr indent="-323850" lvl="0" marL="457200" rtl="0" algn="just">
+              <a:lnSpc>
+                <a:spcPct val="115000"/>
+              </a:lnSpc>
+              <a:spcBef>
+                <a:spcPts val="0"/>
+              </a:spcBef>
+              <a:spcAft>
+                <a:spcPts val="0"/>
+              </a:spcAft>
+              <a:buClr>
+                <a:schemeClr val="dk1"/>
+              </a:buClr>
+              <a:buSzPts val="1500"/>
+              <a:buAutoNum type="arabicPeriod"/>
+            </a:pPr>
+            <a:r>
+              <a:rPr lang="en" sz="1500">
+                <a:solidFill>
+                  <a:schemeClr val="dk1"/>
+                </a:solidFill>
+                <a:latin typeface="Times New Roman"/>
+                <a:ea typeface="Times New Roman"/>
+                <a:cs typeface="Times New Roman"/>
+                <a:sym typeface="Times New Roman"/>
+              </a:rPr>
+              <a:t>Zhang, Y., &amp; Wang, J. (2017). Integrating EMA indicators into machine learning models to enhance stock price prediction. </a:t>
+            </a:r>
+            <a:r>
+              <a:rPr i="1" lang="en" sz="1500">
+                <a:solidFill>
+                  <a:schemeClr val="dk1"/>
+                </a:solidFill>
+                <a:latin typeface="Times New Roman"/>
+                <a:ea typeface="Times New Roman"/>
+                <a:cs typeface="Times New Roman"/>
+                <a:sym typeface="Times New Roman"/>
+              </a:rPr>
+              <a:t>International Journal of Economics and Finance</a:t>
+            </a:r>
+            <a:r>
+              <a:rPr lang="en" sz="1500">
+                <a:solidFill>
+                  <a:schemeClr val="dk1"/>
+                </a:solidFill>
+                <a:latin typeface="Times New Roman"/>
+                <a:ea typeface="Times New Roman"/>
+                <a:cs typeface="Times New Roman"/>
+                <a:sym typeface="Times New Roman"/>
+              </a:rPr>
+              <a:t>, 183-194.</a:t>
+            </a:r>
+            <a:endParaRPr sz="2200"/>
+          </a:p>
+        </p:txBody>
+      </p:sp>
+    </p:spTree>
+  </p:cSld>
+  <p:clrMapOvr>
+    <a:masterClrMapping/>
+  </p:clrMapOvr>
+</p:sld>
+</file>
+
+<file path=ppt/slides/slide13.xml><?xml version="1.0" encoding="utf-8"?>
+<p:sld xmlns:a="http://schemas.openxmlformats.org/drawingml/2006/main" xmlns:r="http://schemas.openxmlformats.org/officeDocument/2006/relationships" xmlns:mc="http://schemas.openxmlformats.org/markup-compatibility/2006" xmlns:mv="urn:schemas-microsoft-com:mac:vml" xmlns:p="http://schemas.openxmlformats.org/presentationml/2006/main" xmlns:c="http://schemas.openxmlformats.org/drawingml/2006/chart" xmlns:dgm="http://schemas.openxmlformats.org/drawingml/2006/diagram" xmlns:o="urn:schemas-microsoft-com:office:office" xmlns:v="urn:schemas-microsoft-com:vml" xmlns:pvml="urn:schemas-microsoft-com:office:powerpoint" xmlns:com="http://schemas.openxmlformats.org/drawingml/2006/compatibility" xmlns:p14="http://schemas.microsoft.com/office/powerpoint/2010/main" xmlns:p15="http://schemas.microsoft.com/office/powerpoint/2012/main" xmlns:ahyp="http://schemas.microsoft.com/office/drawing/2018/hyperlinkcolor">
+  <p:cSld>
+    <p:spTree>
+      <p:nvGrpSpPr>
+        <p:cNvPr id="123" name="Shape 123"/>
+        <p:cNvGrpSpPr/>
+        <p:nvPr/>
+      </p:nvGrpSpPr>
+      <p:grpSpPr>
+        <a:xfrm>
+          <a:off x="0" y="0"/>
+          <a:ext cx="0" cy="0"/>
+          <a:chOff x="0" y="0"/>
+          <a:chExt cx="0" cy="0"/>
+        </a:xfrm>
+      </p:grpSpPr>
+      <p:sp>
+        <p:nvSpPr>
+          <p:cNvPr id="124" name="Google Shape;124;p25"/>
+          <p:cNvSpPr txBox="1"/>
+          <p:nvPr>
+            <p:ph type="title"/>
+          </p:nvPr>
+        </p:nvSpPr>
+        <p:spPr>
+          <a:xfrm>
+            <a:off x="311700" y="445025"/>
+            <a:ext cx="8520600" cy="572700"/>
+          </a:xfrm>
+          <a:prstGeom prst="rect">
+            <a:avLst/>
+          </a:prstGeom>
+        </p:spPr>
+        <p:txBody>
+          <a:bodyPr anchorCtr="0" anchor="t" bIns="91425" lIns="91425" spcFirstLastPara="1" rIns="91425" wrap="square" tIns="91425">
+            <a:normAutofit fontScale="90000"/>
+          </a:bodyPr>
+          <a:lstStyle/>
+          <a:p>
+            <a:pPr indent="0" lvl="0" marL="0" rtl="0" algn="l">
+              <a:spcBef>
+                <a:spcPts val="0"/>
+              </a:spcBef>
+              <a:spcAft>
+                <a:spcPts val="0"/>
+              </a:spcAft>
+              <a:buNone/>
+            </a:pPr>
+            <a:r>
+              <a:rPr lang="en"/>
+              <a:t>Team Collaboration</a:t>
+            </a:r>
+            <a:endParaRPr/>
+          </a:p>
+        </p:txBody>
+      </p:sp>
+      <p:graphicFrame>
+        <p:nvGraphicFramePr>
+          <p:cNvPr id="125" name="Google Shape;125;p25"/>
+          <p:cNvGraphicFramePr/>
+          <p:nvPr/>
+        </p:nvGraphicFramePr>
+        <p:xfrm>
+          <a:off x="952500" y="1302450"/>
+          <a:ext cx="3000000" cy="3000000"/>
+        </p:xfrm>
+        <a:graphic>
+          <a:graphicData uri="http://schemas.openxmlformats.org/drawingml/2006/table">
+            <a:tbl>
+              <a:tblPr>
+                <a:noFill/>
+                <a:tableStyleId>{21D833CA-93B4-4AF9-AC81-243B56018DAA}</a:tableStyleId>
+              </a:tblPr>
+              <a:tblGrid>
+                <a:gridCol w="3619500"/>
+                <a:gridCol w="3619500"/>
+              </a:tblGrid>
+              <a:tr h="381000">
+                <a:tc>
+                  <a:txBody>
+                    <a:bodyPr/>
+                    <a:lstStyle/>
+                    <a:p>
+                      <a:pPr indent="0" lvl="0" marL="0" rtl="0" algn="ctr">
+                        <a:spcBef>
+                          <a:spcPts val="0"/>
+                        </a:spcBef>
+                        <a:spcAft>
+                          <a:spcPts val="0"/>
+                        </a:spcAft>
+                        <a:buNone/>
+                      </a:pPr>
+                      <a:r>
+                        <a:rPr b="1" lang="en"/>
+                        <a:t>Task</a:t>
+                      </a:r>
+                      <a:endParaRPr b="1"/>
+                    </a:p>
+                  </a:txBody>
+                  <a:tcPr marT="91425" marB="91425" marR="91425" marL="91425" anchor="ctr"/>
+                </a:tc>
+                <a:tc>
+                  <a:txBody>
+                    <a:bodyPr/>
+                    <a:lstStyle/>
+                    <a:p>
+                      <a:pPr indent="0" lvl="0" marL="0" rtl="0" algn="ctr">
+                        <a:spcBef>
+                          <a:spcPts val="0"/>
+                        </a:spcBef>
+                        <a:spcAft>
+                          <a:spcPts val="0"/>
+                        </a:spcAft>
+                        <a:buNone/>
+                      </a:pPr>
+                      <a:r>
+                        <a:rPr b="1" lang="en"/>
+                        <a:t>Assigned to</a:t>
+                      </a:r>
+                      <a:endParaRPr b="1"/>
+                    </a:p>
+                  </a:txBody>
+                  <a:tcPr marT="91425" marB="91425" marR="91425" marL="91425" anchor="ctr"/>
+                </a:tc>
+              </a:tr>
+              <a:tr h="381000">
+                <a:tc>
+                  <a:txBody>
+                    <a:bodyPr/>
+                    <a:lstStyle/>
+                    <a:p>
+                      <a:pPr indent="0" lvl="0" marL="0" rtl="0" algn="ctr">
+                        <a:spcBef>
+                          <a:spcPts val="0"/>
+                        </a:spcBef>
+                        <a:spcAft>
+                          <a:spcPts val="0"/>
+                        </a:spcAft>
+                        <a:buNone/>
+                      </a:pPr>
+                      <a:r>
+                        <a:rPr lang="en"/>
+                        <a:t>Data Loading and Preprocessing</a:t>
+                      </a:r>
+                      <a:endParaRPr/>
+                    </a:p>
+                  </a:txBody>
+                  <a:tcPr marT="91425" marB="91425" marR="91425" marL="91425" anchor="ctr"/>
+                </a:tc>
+                <a:tc>
+                  <a:txBody>
+                    <a:bodyPr/>
+                    <a:lstStyle/>
+                    <a:p>
+                      <a:pPr indent="0" lvl="0" marL="0" rtl="0" algn="ctr">
+                        <a:spcBef>
+                          <a:spcPts val="0"/>
+                        </a:spcBef>
+                        <a:spcAft>
+                          <a:spcPts val="0"/>
+                        </a:spcAft>
+                        <a:buNone/>
+                      </a:pPr>
+                      <a:r>
+                        <a:rPr lang="en"/>
+                        <a:t>Afet Ibadova</a:t>
+                      </a:r>
+                      <a:endParaRPr/>
+                    </a:p>
+                  </a:txBody>
+                  <a:tcPr marT="91425" marB="91425" marR="91425" marL="91425" anchor="ctr"/>
+                </a:tc>
+              </a:tr>
+              <a:tr h="381000">
+                <a:tc>
+                  <a:txBody>
+                    <a:bodyPr/>
+                    <a:lstStyle/>
+                    <a:p>
+                      <a:pPr indent="0" lvl="0" marL="0" rtl="0" algn="ctr">
+                        <a:spcBef>
+                          <a:spcPts val="0"/>
+                        </a:spcBef>
+                        <a:spcAft>
+                          <a:spcPts val="0"/>
+                        </a:spcAft>
+                        <a:buNone/>
+                      </a:pPr>
+                      <a:r>
+                        <a:rPr lang="en"/>
+                        <a:t>EDA</a:t>
+                      </a:r>
+                      <a:endParaRPr/>
+                    </a:p>
+                  </a:txBody>
+                  <a:tcPr marT="91425" marB="91425" marR="91425" marL="91425" anchor="ctr"/>
+                </a:tc>
+                <a:tc>
+                  <a:txBody>
+                    <a:bodyPr/>
+                    <a:lstStyle/>
+                    <a:p>
+                      <a:pPr indent="0" lvl="0" marL="0" rtl="0" algn="ctr">
+                        <a:spcBef>
+                          <a:spcPts val="0"/>
+                        </a:spcBef>
+                        <a:spcAft>
+                          <a:spcPts val="0"/>
+                        </a:spcAft>
+                        <a:buNone/>
+                      </a:pPr>
+                      <a:r>
+                        <a:rPr lang="en"/>
+                        <a:t>Daryush Ray</a:t>
+                      </a:r>
+                      <a:endParaRPr/>
+                    </a:p>
+                  </a:txBody>
+                  <a:tcPr marT="91425" marB="91425" marR="91425" marL="91425" anchor="ctr"/>
+                </a:tc>
+              </a:tr>
+              <a:tr h="381000">
+                <a:tc>
+                  <a:txBody>
+                    <a:bodyPr/>
+                    <a:lstStyle/>
+                    <a:p>
+                      <a:pPr indent="0" lvl="0" marL="0" rtl="0" algn="ctr">
+                        <a:spcBef>
+                          <a:spcPts val="0"/>
+                        </a:spcBef>
+                        <a:spcAft>
+                          <a:spcPts val="0"/>
+                        </a:spcAft>
+                        <a:buNone/>
+                      </a:pPr>
+                      <a:r>
+                        <a:rPr lang="en"/>
+                        <a:t>Strategy 1</a:t>
+                      </a:r>
+                      <a:endParaRPr/>
+                    </a:p>
+                  </a:txBody>
+                  <a:tcPr marT="91425" marB="91425" marR="91425" marL="91425" anchor="ctr"/>
+                </a:tc>
+                <a:tc>
+                  <a:txBody>
+                    <a:bodyPr/>
+                    <a:lstStyle/>
+                    <a:p>
+                      <a:pPr indent="0" lvl="0" marL="0" rtl="0" algn="ctr">
+                        <a:spcBef>
+                          <a:spcPts val="0"/>
+                        </a:spcBef>
+                        <a:spcAft>
+                          <a:spcPts val="0"/>
+                        </a:spcAft>
+                        <a:buNone/>
+                      </a:pPr>
+                      <a:r>
+                        <a:rPr lang="en"/>
+                        <a:t>Afet Ibadova</a:t>
+                      </a:r>
+                      <a:endParaRPr/>
+                    </a:p>
+                  </a:txBody>
+                  <a:tcPr marT="91425" marB="91425" marR="91425" marL="91425" anchor="ctr"/>
+                </a:tc>
+              </a:tr>
+              <a:tr h="381000">
+                <a:tc>
+                  <a:txBody>
+                    <a:bodyPr/>
+                    <a:lstStyle/>
+                    <a:p>
+                      <a:pPr indent="0" lvl="0" marL="0" rtl="0" algn="ctr">
+                        <a:spcBef>
+                          <a:spcPts val="0"/>
+                        </a:spcBef>
+                        <a:spcAft>
+                          <a:spcPts val="0"/>
+                        </a:spcAft>
+                        <a:buNone/>
+                      </a:pPr>
+                      <a:r>
+                        <a:rPr lang="en"/>
+                        <a:t>Strategy 2</a:t>
+                      </a:r>
+                      <a:endParaRPr/>
+                    </a:p>
+                  </a:txBody>
+                  <a:tcPr marT="91425" marB="91425" marR="91425" marL="91425" anchor="ctr"/>
+                </a:tc>
+                <a:tc>
+                  <a:txBody>
+                    <a:bodyPr/>
+                    <a:lstStyle/>
+                    <a:p>
+                      <a:pPr indent="0" lvl="0" marL="0" rtl="0" algn="ctr">
+                        <a:spcBef>
+                          <a:spcPts val="0"/>
+                        </a:spcBef>
+                        <a:spcAft>
+                          <a:spcPts val="0"/>
+                        </a:spcAft>
+                        <a:buNone/>
+                      </a:pPr>
+                      <a:r>
+                        <a:rPr lang="en"/>
+                        <a:t>Daryush Ray</a:t>
+                      </a:r>
+                      <a:endParaRPr/>
+                    </a:p>
+                  </a:txBody>
+                  <a:tcPr marT="91425" marB="91425" marR="91425" marL="91425" anchor="ctr"/>
+                </a:tc>
+              </a:tr>
+              <a:tr h="381000">
+                <a:tc>
+                  <a:txBody>
+                    <a:bodyPr/>
+                    <a:lstStyle/>
+                    <a:p>
+                      <a:pPr indent="0" lvl="0" marL="0" rtl="0" algn="ctr">
+                        <a:spcBef>
+                          <a:spcPts val="0"/>
+                        </a:spcBef>
+                        <a:spcAft>
+                          <a:spcPts val="0"/>
+                        </a:spcAft>
+                        <a:buNone/>
+                      </a:pPr>
+                      <a:r>
+                        <a:rPr lang="en"/>
+                        <a:t>Performance Measures Calculation</a:t>
+                      </a:r>
+                      <a:endParaRPr/>
+                    </a:p>
+                  </a:txBody>
+                  <a:tcPr marT="91425" marB="91425" marR="91425" marL="91425" anchor="ctr"/>
+                </a:tc>
+                <a:tc>
+                  <a:txBody>
+                    <a:bodyPr/>
+                    <a:lstStyle/>
+                    <a:p>
+                      <a:pPr indent="0" lvl="0" marL="0" rtl="0" algn="ctr">
+                        <a:spcBef>
+                          <a:spcPts val="0"/>
+                        </a:spcBef>
+                        <a:spcAft>
+                          <a:spcPts val="0"/>
+                        </a:spcAft>
+                        <a:buNone/>
+                      </a:pPr>
+                      <a:r>
+                        <a:rPr lang="en"/>
+                        <a:t>Afet Ibadova</a:t>
+                      </a:r>
+                      <a:endParaRPr/>
+                    </a:p>
+                  </a:txBody>
+                  <a:tcPr marT="91425" marB="91425" marR="91425" marL="91425" anchor="ctr"/>
+                </a:tc>
+              </a:tr>
+              <a:tr h="381000">
+                <a:tc>
+                  <a:txBody>
+                    <a:bodyPr/>
+                    <a:lstStyle/>
+                    <a:p>
+                      <a:pPr indent="0" lvl="0" marL="0" rtl="0" algn="ctr">
+                        <a:spcBef>
+                          <a:spcPts val="0"/>
+                        </a:spcBef>
+                        <a:spcAft>
+                          <a:spcPts val="0"/>
+                        </a:spcAft>
+                        <a:buNone/>
+                      </a:pPr>
+                      <a:r>
+                        <a:rPr lang="en"/>
+                        <a:t>Optimization and Backtesting</a:t>
+                      </a:r>
+                      <a:endParaRPr/>
+                    </a:p>
+                  </a:txBody>
+                  <a:tcPr marT="91425" marB="91425" marR="91425" marL="91425" anchor="ctr"/>
+                </a:tc>
+                <a:tc>
+                  <a:txBody>
+                    <a:bodyPr/>
+                    <a:lstStyle/>
+                    <a:p>
+                      <a:pPr indent="0" lvl="0" marL="0" rtl="0" algn="ctr">
+                        <a:spcBef>
+                          <a:spcPts val="0"/>
+                        </a:spcBef>
+                        <a:spcAft>
+                          <a:spcPts val="0"/>
+                        </a:spcAft>
+                        <a:buNone/>
+                      </a:pPr>
+                      <a:r>
+                        <a:rPr lang="en"/>
+                        <a:t>Daryush Ray</a:t>
+                      </a:r>
+                      <a:endParaRPr/>
+                    </a:p>
+                  </a:txBody>
+                  <a:tcPr marT="91425" marB="91425" marR="91425" marL="91425" anchor="ctr"/>
+                </a:tc>
+              </a:tr>
+            </a:tbl>
+          </a:graphicData>
+        </a:graphic>
+      </p:graphicFrame>
+      <p:sp>
+        <p:nvSpPr>
+          <p:cNvPr id="126" name="Google Shape;126;p25"/>
+          <p:cNvSpPr txBox="1"/>
+          <p:nvPr/>
+        </p:nvSpPr>
+        <p:spPr>
+          <a:xfrm>
+            <a:off x="0" y="4804800"/>
+            <a:ext cx="4780800" cy="338700"/>
+          </a:xfrm>
+          <a:prstGeom prst="rect">
+            <a:avLst/>
+          </a:prstGeom>
+          <a:noFill/>
+          <a:ln>
+            <a:noFill/>
+          </a:ln>
+        </p:spPr>
+        <p:txBody>
+          <a:bodyPr anchorCtr="0" anchor="t" bIns="91425" lIns="91425" spcFirstLastPara="1" rIns="91425" wrap="square" tIns="91425">
+            <a:spAutoFit/>
+          </a:bodyPr>
+          <a:lstStyle/>
+          <a:p>
+            <a:pPr indent="0" lvl="0" marL="0" rtl="0" algn="l">
+              <a:spcBef>
+                <a:spcPts val="0"/>
+              </a:spcBef>
+              <a:spcAft>
+                <a:spcPts val="0"/>
+              </a:spcAft>
+              <a:buNone/>
+            </a:pPr>
+            <a:r>
+              <a:rPr lang="en" sz="1000">
+                <a:solidFill>
+                  <a:schemeClr val="dk2"/>
+                </a:solidFill>
+              </a:rPr>
+              <a:t>https://github.com/astronaut505/tradingtroll</a:t>
+            </a:r>
+            <a:endParaRPr sz="1000">
+              <a:solidFill>
+                <a:schemeClr val="dk2"/>
+              </a:solidFill>
+            </a:endParaRPr>
+          </a:p>
+        </p:txBody>
+      </p:sp>
+    </p:spTree>
+  </p:cSld>
+  <p:clrMapOvr>
+    <a:masterClrMapping/>
+  </p:clrMapOvr>
+</p:sld>
+</file>
+
 <file path=ppt/slides/slide2.xml><?xml version="1.0" encoding="utf-8"?>
 <p:sld xmlns:a="http://schemas.openxmlformats.org/drawingml/2006/main" xmlns:r="http://schemas.openxmlformats.org/officeDocument/2006/relationships" xmlns:mc="http://schemas.openxmlformats.org/markup-compatibility/2006" xmlns:mv="urn:schemas-microsoft-com:mac:vml" xmlns:p="http://schemas.openxmlformats.org/presentationml/2006/main" xmlns:c="http://schemas.openxmlformats.org/drawingml/2006/chart" xmlns:dgm="http://schemas.openxmlformats.org/drawingml/2006/diagram" xmlns:o="urn:schemas-microsoft-com:office:office" xmlns:v="urn:schemas-microsoft-com:vml" xmlns:pvml="urn:schemas-microsoft-com:office:powerpoint" xmlns:com="http://schemas.openxmlformats.org/drawingml/2006/compatibility" xmlns:p14="http://schemas.microsoft.com/office/powerpoint/2010/main" xmlns:p15="http://schemas.microsoft.com/office/powerpoint/2012/main" xmlns:ahyp="http://schemas.microsoft.com/office/drawing/2018/hyperlinkcolor">
   <p:cSld>
@@ -8807,7 +10668,7 @@
             <a:tbl>
               <a:tblPr>
                 <a:noFill/>
-                <a:tableStyleId>{C987D26F-C1EE-44E0-BD61-43F13DC405A3}</a:tableStyleId>
+                <a:tableStyleId>{21D833CA-93B4-4AF9-AC81-243B56018DAA}</a:tableStyleId>
               </a:tblPr>
               <a:tblGrid>
                 <a:gridCol w="2924625"/>
@@ -9516,328 +11377,34 @@
           <a:chExt cx="0" cy="0"/>
         </a:xfrm>
       </p:grpSpPr>
-      <p:sp>
-        <p:nvSpPr>
+      <p:pic>
+        <p:nvPicPr>
           <p:cNvPr id="92" name="Google Shape;92;p19"/>
-          <p:cNvSpPr txBox="1"/>
-          <p:nvPr>
-            <p:ph type="title"/>
-          </p:nvPr>
-        </p:nvSpPr>
+          <p:cNvPicPr preferRelativeResize="0"/>
+          <p:nvPr/>
+        </p:nvPicPr>
+        <p:blipFill>
+          <a:blip r:embed="rId3">
+            <a:alphaModFix/>
+          </a:blip>
+          <a:stretch>
+            <a:fillRect/>
+          </a:stretch>
+        </p:blipFill>
         <p:spPr>
           <a:xfrm>
-            <a:off x="311700" y="445025"/>
-            <a:ext cx="8520600" cy="572700"/>
+            <a:off x="152400" y="152400"/>
+            <a:ext cx="8839201" cy="4718273"/>
           </a:xfrm>
           <a:prstGeom prst="rect">
             <a:avLst/>
           </a:prstGeom>
+          <a:noFill/>
+          <a:ln>
+            <a:noFill/>
+          </a:ln>
         </p:spPr>
-        <p:txBody>
-          <a:bodyPr anchorCtr="0" anchor="t" bIns="91425" lIns="91425" spcFirstLastPara="1" rIns="91425" wrap="square" tIns="91425">
-            <a:normAutofit fontScale="90000"/>
-          </a:bodyPr>
-          <a:lstStyle/>
-          <a:p>
-            <a:pPr indent="0" lvl="0" marL="0" rtl="0" algn="l">
-              <a:spcBef>
-                <a:spcPts val="0"/>
-              </a:spcBef>
-              <a:spcAft>
-                <a:spcPts val="0"/>
-              </a:spcAft>
-              <a:buNone/>
-            </a:pPr>
-            <a:r>
-              <a:rPr lang="en"/>
-              <a:t>Conclusion</a:t>
-            </a:r>
-            <a:endParaRPr/>
-          </a:p>
-        </p:txBody>
-      </p:sp>
-      <p:sp>
-        <p:nvSpPr>
-          <p:cNvPr id="93" name="Google Shape;93;p19"/>
-          <p:cNvSpPr txBox="1"/>
-          <p:nvPr>
-            <p:ph idx="1" type="body"/>
-          </p:nvPr>
-        </p:nvSpPr>
-        <p:spPr>
-          <a:xfrm>
-            <a:off x="311700" y="1152475"/>
-            <a:ext cx="8520600" cy="3416400"/>
-          </a:xfrm>
-          <a:prstGeom prst="rect">
-            <a:avLst/>
-          </a:prstGeom>
-        </p:spPr>
-        <p:txBody>
-          <a:bodyPr anchorCtr="0" anchor="t" bIns="91425" lIns="91425" spcFirstLastPara="1" rIns="91425" wrap="square" tIns="91425">
-            <a:normAutofit/>
-          </a:bodyPr>
-          <a:lstStyle/>
-          <a:p>
-            <a:pPr indent="0" lvl="0" marL="0" rtl="0" algn="l">
-              <a:lnSpc>
-                <a:spcPct val="95000"/>
-              </a:lnSpc>
-              <a:spcBef>
-                <a:spcPts val="1200"/>
-              </a:spcBef>
-              <a:spcAft>
-                <a:spcPts val="0"/>
-              </a:spcAft>
-              <a:buClr>
-                <a:schemeClr val="dk1"/>
-              </a:buClr>
-              <a:buSzPts val="1100"/>
-              <a:buFont typeface="Arial"/>
-              <a:buNone/>
-            </a:pPr>
-            <a:r>
-              <a:rPr b="1" lang="en" sz="1600">
-                <a:solidFill>
-                  <a:schemeClr val="dk1"/>
-                </a:solidFill>
-              </a:rPr>
-              <a:t>EMA Crossover Strategy:</a:t>
-            </a:r>
-            <a:endParaRPr b="1" sz="1600">
-              <a:solidFill>
-                <a:schemeClr val="dk1"/>
-              </a:solidFill>
-            </a:endParaRPr>
-          </a:p>
-          <a:p>
-            <a:pPr indent="-330200" lvl="0" marL="457200" rtl="0" algn="l">
-              <a:spcBef>
-                <a:spcPts val="1200"/>
-              </a:spcBef>
-              <a:spcAft>
-                <a:spcPts val="0"/>
-              </a:spcAft>
-              <a:buClr>
-                <a:schemeClr val="dk1"/>
-              </a:buClr>
-              <a:buSzPts val="1600"/>
-              <a:buChar char="●"/>
-            </a:pPr>
-            <a:r>
-              <a:rPr lang="en" sz="1600">
-                <a:solidFill>
-                  <a:schemeClr val="dk1"/>
-                </a:solidFill>
-              </a:rPr>
-              <a:t>Simple and actionable</a:t>
-            </a:r>
-            <a:endParaRPr sz="1600">
-              <a:solidFill>
-                <a:schemeClr val="dk1"/>
-              </a:solidFill>
-            </a:endParaRPr>
-          </a:p>
-          <a:p>
-            <a:pPr indent="-330200" lvl="0" marL="457200" rtl="0" algn="l">
-              <a:spcBef>
-                <a:spcPts val="0"/>
-              </a:spcBef>
-              <a:spcAft>
-                <a:spcPts val="0"/>
-              </a:spcAft>
-              <a:buClr>
-                <a:schemeClr val="dk1"/>
-              </a:buClr>
-              <a:buSzPts val="1600"/>
-              <a:buChar char="●"/>
-            </a:pPr>
-            <a:r>
-              <a:rPr lang="en" sz="1600">
-                <a:solidFill>
-                  <a:schemeClr val="dk1"/>
-                </a:solidFill>
-              </a:rPr>
-              <a:t>Moderate returns, suitable for new traders</a:t>
-            </a:r>
-            <a:endParaRPr sz="1600">
-              <a:solidFill>
-                <a:schemeClr val="dk1"/>
-              </a:solidFill>
-            </a:endParaRPr>
-          </a:p>
-          <a:p>
-            <a:pPr indent="0" lvl="0" marL="0" rtl="0" algn="l">
-              <a:spcBef>
-                <a:spcPts val="1200"/>
-              </a:spcBef>
-              <a:spcAft>
-                <a:spcPts val="0"/>
-              </a:spcAft>
-              <a:buClr>
-                <a:schemeClr val="dk1"/>
-              </a:buClr>
-              <a:buSzPts val="1100"/>
-              <a:buFont typeface="Arial"/>
-              <a:buNone/>
-            </a:pPr>
-            <a:r>
-              <a:rPr b="1" lang="en" sz="1600">
-                <a:solidFill>
-                  <a:schemeClr val="dk1"/>
-                </a:solidFill>
-              </a:rPr>
-              <a:t>Machine Learning Models:</a:t>
-            </a:r>
-            <a:endParaRPr b="1" sz="1600">
-              <a:solidFill>
-                <a:schemeClr val="dk1"/>
-              </a:solidFill>
-            </a:endParaRPr>
-          </a:p>
-          <a:p>
-            <a:pPr indent="-330200" lvl="0" marL="457200" rtl="0" algn="l">
-              <a:spcBef>
-                <a:spcPts val="1200"/>
-              </a:spcBef>
-              <a:spcAft>
-                <a:spcPts val="0"/>
-              </a:spcAft>
-              <a:buClr>
-                <a:schemeClr val="dk1"/>
-              </a:buClr>
-              <a:buSzPts val="1600"/>
-              <a:buChar char="●"/>
-            </a:pPr>
-            <a:r>
-              <a:rPr lang="en" sz="1600">
-                <a:solidFill>
-                  <a:schemeClr val="dk1"/>
-                </a:solidFill>
-              </a:rPr>
-              <a:t>Superior performance, higher risk-adjusted returns</a:t>
-            </a:r>
-            <a:endParaRPr sz="1600">
-              <a:solidFill>
-                <a:schemeClr val="dk1"/>
-              </a:solidFill>
-            </a:endParaRPr>
-          </a:p>
-          <a:p>
-            <a:pPr indent="-330200" lvl="0" marL="457200" rtl="0" algn="l">
-              <a:spcBef>
-                <a:spcPts val="0"/>
-              </a:spcBef>
-              <a:spcAft>
-                <a:spcPts val="0"/>
-              </a:spcAft>
-              <a:buClr>
-                <a:schemeClr val="dk1"/>
-              </a:buClr>
-              <a:buSzPts val="1600"/>
-              <a:buChar char="●"/>
-            </a:pPr>
-            <a:r>
-              <a:rPr lang="en" sz="1600">
-                <a:solidFill>
-                  <a:schemeClr val="dk1"/>
-                </a:solidFill>
-              </a:rPr>
-              <a:t>Requires deeper understanding and careful management</a:t>
-            </a:r>
-            <a:endParaRPr sz="1600">
-              <a:solidFill>
-                <a:schemeClr val="dk1"/>
-              </a:solidFill>
-            </a:endParaRPr>
-          </a:p>
-          <a:p>
-            <a:pPr indent="0" lvl="0" marL="0" rtl="0" algn="l">
-              <a:spcBef>
-                <a:spcPts val="1200"/>
-              </a:spcBef>
-              <a:spcAft>
-                <a:spcPts val="0"/>
-              </a:spcAft>
-              <a:buClr>
-                <a:schemeClr val="dk1"/>
-              </a:buClr>
-              <a:buSzPts val="1100"/>
-              <a:buFont typeface="Arial"/>
-              <a:buNone/>
-            </a:pPr>
-            <a:r>
-              <a:rPr b="1" lang="en" sz="1600">
-                <a:solidFill>
-                  <a:schemeClr val="dk1"/>
-                </a:solidFill>
-              </a:rPr>
-              <a:t>Strategic Recommendations:</a:t>
-            </a:r>
-            <a:endParaRPr b="1" sz="1600">
-              <a:solidFill>
-                <a:schemeClr val="dk1"/>
-              </a:solidFill>
-            </a:endParaRPr>
-          </a:p>
-          <a:p>
-            <a:pPr indent="-330200" lvl="0" marL="457200" rtl="0" algn="l">
-              <a:spcBef>
-                <a:spcPts val="1200"/>
-              </a:spcBef>
-              <a:spcAft>
-                <a:spcPts val="0"/>
-              </a:spcAft>
-              <a:buClr>
-                <a:schemeClr val="dk1"/>
-              </a:buClr>
-              <a:buSzPts val="1600"/>
-              <a:buChar char="●"/>
-            </a:pPr>
-            <a:r>
-              <a:rPr lang="en" sz="1600">
-                <a:solidFill>
-                  <a:schemeClr val="dk1"/>
-                </a:solidFill>
-              </a:rPr>
-              <a:t>Hybrid strategies combining EMA and ML</a:t>
-            </a:r>
-            <a:endParaRPr sz="1600">
-              <a:solidFill>
-                <a:schemeClr val="dk1"/>
-              </a:solidFill>
-            </a:endParaRPr>
-          </a:p>
-          <a:p>
-            <a:pPr indent="-330200" lvl="0" marL="457200" rtl="0" algn="l">
-              <a:spcBef>
-                <a:spcPts val="0"/>
-              </a:spcBef>
-              <a:spcAft>
-                <a:spcPts val="0"/>
-              </a:spcAft>
-              <a:buClr>
-                <a:schemeClr val="dk1"/>
-              </a:buClr>
-              <a:buSzPts val="1600"/>
-              <a:buChar char="●"/>
-            </a:pPr>
-            <a:r>
-              <a:rPr lang="en" sz="1600">
-                <a:solidFill>
-                  <a:schemeClr val="dk1"/>
-                </a:solidFill>
-              </a:rPr>
-              <a:t>Future exploration: Sentiment analysis, macroeconomic indicators</a:t>
-            </a:r>
-            <a:endParaRPr b="1" sz="1487">
-              <a:solidFill>
-                <a:schemeClr val="dk1"/>
-              </a:solidFill>
-            </a:endParaRPr>
-          </a:p>
-        </p:txBody>
-      </p:sp>
+      </p:pic>
     </p:spTree>
   </p:cSld>
   <p:clrMapOvr>
@@ -9851,7 +11418,7 @@
   <p:cSld>
     <p:spTree>
       <p:nvGrpSpPr>
-        <p:cNvPr id="97" name="Shape 97"/>
+        <p:cNvPr id="96" name="Shape 96"/>
         <p:cNvGrpSpPr/>
         <p:nvPr/>
       </p:nvGrpSpPr>
@@ -9863,566 +11430,34 @@
           <a:chExt cx="0" cy="0"/>
         </a:xfrm>
       </p:grpSpPr>
-      <p:sp>
-        <p:nvSpPr>
-          <p:cNvPr id="98" name="Google Shape;98;p20"/>
-          <p:cNvSpPr txBox="1"/>
-          <p:nvPr>
-            <p:ph type="title"/>
-          </p:nvPr>
-        </p:nvSpPr>
+      <p:pic>
+        <p:nvPicPr>
+          <p:cNvPr id="97" name="Google Shape;97;p20"/>
+          <p:cNvPicPr preferRelativeResize="0"/>
+          <p:nvPr/>
+        </p:nvPicPr>
+        <p:blipFill>
+          <a:blip r:embed="rId3">
+            <a:alphaModFix/>
+          </a:blip>
+          <a:stretch>
+            <a:fillRect/>
+          </a:stretch>
+        </p:blipFill>
         <p:spPr>
           <a:xfrm>
-            <a:off x="311700" y="445025"/>
-            <a:ext cx="8520600" cy="572700"/>
+            <a:off x="152400" y="152400"/>
+            <a:ext cx="8839197" cy="4419599"/>
           </a:xfrm>
           <a:prstGeom prst="rect">
             <a:avLst/>
           </a:prstGeom>
+          <a:noFill/>
+          <a:ln>
+            <a:noFill/>
+          </a:ln>
         </p:spPr>
-        <p:txBody>
-          <a:bodyPr anchorCtr="0" anchor="t" bIns="91425" lIns="91425" spcFirstLastPara="1" rIns="91425" wrap="square" tIns="91425">
-            <a:normAutofit fontScale="90000"/>
-          </a:bodyPr>
-          <a:lstStyle/>
-          <a:p>
-            <a:pPr indent="0" lvl="0" marL="0" rtl="0" algn="l">
-              <a:spcBef>
-                <a:spcPts val="0"/>
-              </a:spcBef>
-              <a:spcAft>
-                <a:spcPts val="0"/>
-              </a:spcAft>
-              <a:buNone/>
-            </a:pPr>
-            <a:r>
-              <a:rPr lang="en"/>
-              <a:t>References</a:t>
-            </a:r>
-            <a:endParaRPr/>
-          </a:p>
-        </p:txBody>
-      </p:sp>
-      <p:sp>
-        <p:nvSpPr>
-          <p:cNvPr id="99" name="Google Shape;99;p20"/>
-          <p:cNvSpPr txBox="1"/>
-          <p:nvPr>
-            <p:ph idx="1" type="body"/>
-          </p:nvPr>
-        </p:nvSpPr>
-        <p:spPr>
-          <a:xfrm>
-            <a:off x="311700" y="1152475"/>
-            <a:ext cx="8520600" cy="3416400"/>
-          </a:xfrm>
-          <a:prstGeom prst="rect">
-            <a:avLst/>
-          </a:prstGeom>
-        </p:spPr>
-        <p:txBody>
-          <a:bodyPr anchorCtr="0" anchor="t" bIns="91425" lIns="91425" spcFirstLastPara="1" rIns="91425" wrap="square" tIns="91425">
-            <a:noAutofit/>
-          </a:bodyPr>
-          <a:lstStyle/>
-          <a:p>
-            <a:pPr indent="-323850" lvl="0" marL="457200" rtl="0" algn="just">
-              <a:lnSpc>
-                <a:spcPct val="115000"/>
-              </a:lnSpc>
-              <a:spcBef>
-                <a:spcPts val="0"/>
-              </a:spcBef>
-              <a:spcAft>
-                <a:spcPts val="0"/>
-              </a:spcAft>
-              <a:buClr>
-                <a:schemeClr val="dk1"/>
-              </a:buClr>
-              <a:buSzPts val="1500"/>
-              <a:buAutoNum type="arabicPeriod"/>
-            </a:pPr>
-            <a:r>
-              <a:rPr lang="en" sz="1500">
-                <a:solidFill>
-                  <a:schemeClr val="dk1"/>
-                </a:solidFill>
-                <a:latin typeface="Times New Roman"/>
-                <a:ea typeface="Times New Roman"/>
-                <a:cs typeface="Times New Roman"/>
-                <a:sym typeface="Times New Roman"/>
-              </a:rPr>
-              <a:t>Brown, D. P., &amp; Jennings, R. (1989). On technical analysis. </a:t>
-            </a:r>
-            <a:r>
-              <a:rPr i="1" lang="en" sz="1500">
-                <a:solidFill>
-                  <a:schemeClr val="dk1"/>
-                </a:solidFill>
-                <a:latin typeface="Times New Roman"/>
-                <a:ea typeface="Times New Roman"/>
-                <a:cs typeface="Times New Roman"/>
-                <a:sym typeface="Times New Roman"/>
-              </a:rPr>
-              <a:t>Review of Financial Studies</a:t>
-            </a:r>
-            <a:r>
-              <a:rPr lang="en" sz="1500">
-                <a:solidFill>
-                  <a:schemeClr val="dk1"/>
-                </a:solidFill>
-                <a:latin typeface="Times New Roman"/>
-                <a:ea typeface="Times New Roman"/>
-                <a:cs typeface="Times New Roman"/>
-                <a:sym typeface="Times New Roman"/>
-              </a:rPr>
-              <a:t>, 527-551.</a:t>
-            </a:r>
-            <a:endParaRPr sz="1500">
-              <a:solidFill>
-                <a:schemeClr val="dk1"/>
-              </a:solidFill>
-              <a:latin typeface="Times New Roman"/>
-              <a:ea typeface="Times New Roman"/>
-              <a:cs typeface="Times New Roman"/>
-              <a:sym typeface="Times New Roman"/>
-            </a:endParaRPr>
-          </a:p>
-          <a:p>
-            <a:pPr indent="-323850" lvl="0" marL="457200" rtl="0" algn="just">
-              <a:lnSpc>
-                <a:spcPct val="115000"/>
-              </a:lnSpc>
-              <a:spcBef>
-                <a:spcPts val="0"/>
-              </a:spcBef>
-              <a:spcAft>
-                <a:spcPts val="0"/>
-              </a:spcAft>
-              <a:buClr>
-                <a:schemeClr val="dk1"/>
-              </a:buClr>
-              <a:buSzPts val="1500"/>
-              <a:buAutoNum type="arabicPeriod"/>
-            </a:pPr>
-            <a:r>
-              <a:rPr lang="en" sz="1500">
-                <a:solidFill>
-                  <a:schemeClr val="dk1"/>
-                </a:solidFill>
-                <a:latin typeface="Times New Roman"/>
-                <a:ea typeface="Times New Roman"/>
-                <a:cs typeface="Times New Roman"/>
-                <a:sym typeface="Times New Roman"/>
-              </a:rPr>
-              <a:t>Huang, W. N.-Y. (2009). Forecasting stock market movement direction with support vector machine. </a:t>
-            </a:r>
-            <a:r>
-              <a:rPr i="1" lang="en" sz="1500">
-                <a:solidFill>
-                  <a:schemeClr val="dk1"/>
-                </a:solidFill>
-                <a:latin typeface="Times New Roman"/>
-                <a:ea typeface="Times New Roman"/>
-                <a:cs typeface="Times New Roman"/>
-                <a:sym typeface="Times New Roman"/>
-              </a:rPr>
-              <a:t>Computers &amp; Operations Research</a:t>
-            </a:r>
-            <a:r>
-              <a:rPr lang="en" sz="1500">
-                <a:solidFill>
-                  <a:schemeClr val="dk1"/>
-                </a:solidFill>
-                <a:latin typeface="Times New Roman"/>
-                <a:ea typeface="Times New Roman"/>
-                <a:cs typeface="Times New Roman"/>
-                <a:sym typeface="Times New Roman"/>
-              </a:rPr>
-              <a:t>, 2513-2522.</a:t>
-            </a:r>
-            <a:endParaRPr sz="1500">
-              <a:solidFill>
-                <a:schemeClr val="dk1"/>
-              </a:solidFill>
-              <a:latin typeface="Times New Roman"/>
-              <a:ea typeface="Times New Roman"/>
-              <a:cs typeface="Times New Roman"/>
-              <a:sym typeface="Times New Roman"/>
-            </a:endParaRPr>
-          </a:p>
-          <a:p>
-            <a:pPr indent="-323850" lvl="0" marL="457200" rtl="0" algn="just">
-              <a:lnSpc>
-                <a:spcPct val="115000"/>
-              </a:lnSpc>
-              <a:spcBef>
-                <a:spcPts val="0"/>
-              </a:spcBef>
-              <a:spcAft>
-                <a:spcPts val="0"/>
-              </a:spcAft>
-              <a:buClr>
-                <a:schemeClr val="dk1"/>
-              </a:buClr>
-              <a:buSzPts val="1500"/>
-              <a:buAutoNum type="arabicPeriod"/>
-            </a:pPr>
-            <a:r>
-              <a:rPr lang="en" sz="1500">
-                <a:solidFill>
-                  <a:schemeClr val="dk1"/>
-                </a:solidFill>
-                <a:latin typeface="Times New Roman"/>
-                <a:ea typeface="Times New Roman"/>
-                <a:cs typeface="Times New Roman"/>
-                <a:sym typeface="Times New Roman"/>
-              </a:rPr>
-              <a:t>Kearns, M., &amp; Nevmyvaka, Y. (2013). Machine learning for market microstructure and high-frequency trading. </a:t>
-            </a:r>
-            <a:r>
-              <a:rPr i="1" lang="en" sz="1500">
-                <a:solidFill>
-                  <a:schemeClr val="dk1"/>
-                </a:solidFill>
-                <a:latin typeface="Times New Roman"/>
-                <a:ea typeface="Times New Roman"/>
-                <a:cs typeface="Times New Roman"/>
-                <a:sym typeface="Times New Roman"/>
-              </a:rPr>
-              <a:t>Journal of Investment Strategies</a:t>
-            </a:r>
-            <a:r>
-              <a:rPr lang="en" sz="1500">
-                <a:solidFill>
-                  <a:schemeClr val="dk1"/>
-                </a:solidFill>
-                <a:latin typeface="Times New Roman"/>
-                <a:ea typeface="Times New Roman"/>
-                <a:cs typeface="Times New Roman"/>
-                <a:sym typeface="Times New Roman"/>
-              </a:rPr>
-              <a:t>, 83-105.</a:t>
-            </a:r>
-            <a:endParaRPr sz="1500">
-              <a:solidFill>
-                <a:schemeClr val="dk1"/>
-              </a:solidFill>
-              <a:latin typeface="Times New Roman"/>
-              <a:ea typeface="Times New Roman"/>
-              <a:cs typeface="Times New Roman"/>
-              <a:sym typeface="Times New Roman"/>
-            </a:endParaRPr>
-          </a:p>
-          <a:p>
-            <a:pPr indent="-323850" lvl="0" marL="457200" rtl="0" algn="just">
-              <a:lnSpc>
-                <a:spcPct val="115000"/>
-              </a:lnSpc>
-              <a:spcBef>
-                <a:spcPts val="0"/>
-              </a:spcBef>
-              <a:spcAft>
-                <a:spcPts val="0"/>
-              </a:spcAft>
-              <a:buClr>
-                <a:schemeClr val="dk1"/>
-              </a:buClr>
-              <a:buSzPts val="1500"/>
-              <a:buAutoNum type="arabicPeriod"/>
-            </a:pPr>
-            <a:r>
-              <a:rPr lang="en" sz="1500">
-                <a:solidFill>
-                  <a:schemeClr val="dk1"/>
-                </a:solidFill>
-                <a:latin typeface="Times New Roman"/>
-                <a:ea typeface="Times New Roman"/>
-                <a:cs typeface="Times New Roman"/>
-                <a:sym typeface="Times New Roman"/>
-              </a:rPr>
-              <a:t>Lopez de Prado, M. (2018). </a:t>
-            </a:r>
-            <a:r>
-              <a:rPr i="1" lang="en" sz="1500">
-                <a:solidFill>
-                  <a:schemeClr val="dk1"/>
-                </a:solidFill>
-                <a:latin typeface="Times New Roman"/>
-                <a:ea typeface="Times New Roman"/>
-                <a:cs typeface="Times New Roman"/>
-                <a:sym typeface="Times New Roman"/>
-              </a:rPr>
-              <a:t>Building Winning Algorithmic Trading Systems: A Trader's Journey From Data Mining to Monte Carlo Simulation to Live Trading.</a:t>
-            </a:r>
-            <a:r>
-              <a:rPr lang="en" sz="1500">
-                <a:solidFill>
-                  <a:schemeClr val="dk1"/>
-                </a:solidFill>
-                <a:latin typeface="Times New Roman"/>
-                <a:ea typeface="Times New Roman"/>
-                <a:cs typeface="Times New Roman"/>
-                <a:sym typeface="Times New Roman"/>
-              </a:rPr>
-              <a:t> Wiley.</a:t>
-            </a:r>
-            <a:endParaRPr sz="1500">
-              <a:solidFill>
-                <a:schemeClr val="dk1"/>
-              </a:solidFill>
-              <a:latin typeface="Times New Roman"/>
-              <a:ea typeface="Times New Roman"/>
-              <a:cs typeface="Times New Roman"/>
-              <a:sym typeface="Times New Roman"/>
-            </a:endParaRPr>
-          </a:p>
-          <a:p>
-            <a:pPr indent="-323850" lvl="0" marL="457200" rtl="0" algn="just">
-              <a:lnSpc>
-                <a:spcPct val="115000"/>
-              </a:lnSpc>
-              <a:spcBef>
-                <a:spcPts val="0"/>
-              </a:spcBef>
-              <a:spcAft>
-                <a:spcPts val="0"/>
-              </a:spcAft>
-              <a:buClr>
-                <a:schemeClr val="dk1"/>
-              </a:buClr>
-              <a:buSzPts val="1500"/>
-              <a:buAutoNum type="arabicPeriod"/>
-            </a:pPr>
-            <a:r>
-              <a:rPr lang="en" sz="1500">
-                <a:solidFill>
-                  <a:schemeClr val="dk1"/>
-                </a:solidFill>
-                <a:latin typeface="Times New Roman"/>
-                <a:ea typeface="Times New Roman"/>
-                <a:cs typeface="Times New Roman"/>
-                <a:sym typeface="Times New Roman"/>
-              </a:rPr>
-              <a:t>Murphy, J. J. (1999). </a:t>
-            </a:r>
-            <a:r>
-              <a:rPr i="1" lang="en" sz="1500">
-                <a:solidFill>
-                  <a:schemeClr val="dk1"/>
-                </a:solidFill>
-                <a:latin typeface="Times New Roman"/>
-                <a:ea typeface="Times New Roman"/>
-                <a:cs typeface="Times New Roman"/>
-                <a:sym typeface="Times New Roman"/>
-              </a:rPr>
-              <a:t>Technical Analysis of the Financial Markets: A Comprehensive Guide to Trading Methods and Applications.</a:t>
-            </a:r>
-            <a:r>
-              <a:rPr lang="en" sz="1500">
-                <a:solidFill>
-                  <a:schemeClr val="dk1"/>
-                </a:solidFill>
-                <a:latin typeface="Times New Roman"/>
-                <a:ea typeface="Times New Roman"/>
-                <a:cs typeface="Times New Roman"/>
-                <a:sym typeface="Times New Roman"/>
-              </a:rPr>
-              <a:t> New York: Institute of Finance.</a:t>
-            </a:r>
-            <a:endParaRPr sz="1500">
-              <a:solidFill>
-                <a:schemeClr val="dk1"/>
-              </a:solidFill>
-              <a:latin typeface="Times New Roman"/>
-              <a:ea typeface="Times New Roman"/>
-              <a:cs typeface="Times New Roman"/>
-              <a:sym typeface="Times New Roman"/>
-            </a:endParaRPr>
-          </a:p>
-          <a:p>
-            <a:pPr indent="-323850" lvl="0" marL="457200" rtl="0" algn="just">
-              <a:lnSpc>
-                <a:spcPct val="115000"/>
-              </a:lnSpc>
-              <a:spcBef>
-                <a:spcPts val="0"/>
-              </a:spcBef>
-              <a:spcAft>
-                <a:spcPts val="0"/>
-              </a:spcAft>
-              <a:buClr>
-                <a:schemeClr val="dk1"/>
-              </a:buClr>
-              <a:buSzPts val="1500"/>
-              <a:buAutoNum type="arabicPeriod"/>
-            </a:pPr>
-            <a:r>
-              <a:rPr lang="en" sz="1500">
-                <a:solidFill>
-                  <a:schemeClr val="dk1"/>
-                </a:solidFill>
-                <a:latin typeface="Times New Roman"/>
-                <a:ea typeface="Times New Roman"/>
-                <a:cs typeface="Times New Roman"/>
-                <a:sym typeface="Times New Roman"/>
-              </a:rPr>
-              <a:t>Patel, J. S. (2015). Predicting stock and stock price index movement using Trend Deterministic Data Preparation and machine learning techniques. </a:t>
-            </a:r>
-            <a:r>
-              <a:rPr i="1" lang="en" sz="1500">
-                <a:solidFill>
-                  <a:schemeClr val="dk1"/>
-                </a:solidFill>
-                <a:latin typeface="Times New Roman"/>
-                <a:ea typeface="Times New Roman"/>
-                <a:cs typeface="Times New Roman"/>
-                <a:sym typeface="Times New Roman"/>
-              </a:rPr>
-              <a:t>Expert Systems with Applications</a:t>
-            </a:r>
-            <a:r>
-              <a:rPr lang="en" sz="1500">
-                <a:solidFill>
-                  <a:schemeClr val="dk1"/>
-                </a:solidFill>
-                <a:latin typeface="Times New Roman"/>
-                <a:ea typeface="Times New Roman"/>
-                <a:cs typeface="Times New Roman"/>
-                <a:sym typeface="Times New Roman"/>
-              </a:rPr>
-              <a:t>, 259-268.</a:t>
-            </a:r>
-            <a:endParaRPr sz="1500">
-              <a:solidFill>
-                <a:schemeClr val="dk1"/>
-              </a:solidFill>
-              <a:latin typeface="Times New Roman"/>
-              <a:ea typeface="Times New Roman"/>
-              <a:cs typeface="Times New Roman"/>
-              <a:sym typeface="Times New Roman"/>
-            </a:endParaRPr>
-          </a:p>
-          <a:p>
-            <a:pPr indent="-323850" lvl="0" marL="457200" rtl="0" algn="just">
-              <a:lnSpc>
-                <a:spcPct val="115000"/>
-              </a:lnSpc>
-              <a:spcBef>
-                <a:spcPts val="0"/>
-              </a:spcBef>
-              <a:spcAft>
-                <a:spcPts val="0"/>
-              </a:spcAft>
-              <a:buClr>
-                <a:schemeClr val="dk1"/>
-              </a:buClr>
-              <a:buSzPts val="1500"/>
-              <a:buAutoNum type="arabicPeriod"/>
-            </a:pPr>
-            <a:r>
-              <a:rPr lang="en" sz="1500">
-                <a:solidFill>
-                  <a:schemeClr val="dk1"/>
-                </a:solidFill>
-                <a:latin typeface="Times New Roman"/>
-                <a:ea typeface="Times New Roman"/>
-                <a:cs typeface="Times New Roman"/>
-                <a:sym typeface="Times New Roman"/>
-              </a:rPr>
-              <a:t>Prado, M. L. (2018). </a:t>
-            </a:r>
-            <a:r>
-              <a:rPr i="1" lang="en" sz="1500">
-                <a:solidFill>
-                  <a:schemeClr val="dk1"/>
-                </a:solidFill>
-                <a:latin typeface="Times New Roman"/>
-                <a:ea typeface="Times New Roman"/>
-                <a:cs typeface="Times New Roman"/>
-                <a:sym typeface="Times New Roman"/>
-              </a:rPr>
-              <a:t>Advances in Financial Machine Learning.</a:t>
-            </a:r>
-            <a:r>
-              <a:rPr lang="en" sz="1500">
-                <a:solidFill>
-                  <a:schemeClr val="dk1"/>
-                </a:solidFill>
-                <a:latin typeface="Times New Roman"/>
-                <a:ea typeface="Times New Roman"/>
-                <a:cs typeface="Times New Roman"/>
-                <a:sym typeface="Times New Roman"/>
-              </a:rPr>
-              <a:t> Wiley.</a:t>
-            </a:r>
-            <a:endParaRPr sz="1500">
-              <a:solidFill>
-                <a:schemeClr val="dk1"/>
-              </a:solidFill>
-              <a:latin typeface="Times New Roman"/>
-              <a:ea typeface="Times New Roman"/>
-              <a:cs typeface="Times New Roman"/>
-              <a:sym typeface="Times New Roman"/>
-            </a:endParaRPr>
-          </a:p>
-          <a:p>
-            <a:pPr indent="-323850" lvl="0" marL="457200" rtl="0" algn="just">
-              <a:lnSpc>
-                <a:spcPct val="115000"/>
-              </a:lnSpc>
-              <a:spcBef>
-                <a:spcPts val="0"/>
-              </a:spcBef>
-              <a:spcAft>
-                <a:spcPts val="0"/>
-              </a:spcAft>
-              <a:buClr>
-                <a:schemeClr val="dk1"/>
-              </a:buClr>
-              <a:buSzPts val="1500"/>
-              <a:buAutoNum type="arabicPeriod"/>
-            </a:pPr>
-            <a:r>
-              <a:rPr lang="en" sz="1500">
-                <a:solidFill>
-                  <a:schemeClr val="dk1"/>
-                </a:solidFill>
-                <a:latin typeface="Times New Roman"/>
-                <a:ea typeface="Times New Roman"/>
-                <a:cs typeface="Times New Roman"/>
-                <a:sym typeface="Times New Roman"/>
-              </a:rPr>
-              <a:t>Zhang, Y., &amp; Wang, J. (2017). Integrating EMA indicators into machine learning models to enhance stock price prediction. </a:t>
-            </a:r>
-            <a:r>
-              <a:rPr i="1" lang="en" sz="1500">
-                <a:solidFill>
-                  <a:schemeClr val="dk1"/>
-                </a:solidFill>
-                <a:latin typeface="Times New Roman"/>
-                <a:ea typeface="Times New Roman"/>
-                <a:cs typeface="Times New Roman"/>
-                <a:sym typeface="Times New Roman"/>
-              </a:rPr>
-              <a:t>International Journal of Economics and Finance</a:t>
-            </a:r>
-            <a:r>
-              <a:rPr lang="en" sz="1500">
-                <a:solidFill>
-                  <a:schemeClr val="dk1"/>
-                </a:solidFill>
-                <a:latin typeface="Times New Roman"/>
-                <a:ea typeface="Times New Roman"/>
-                <a:cs typeface="Times New Roman"/>
-                <a:sym typeface="Times New Roman"/>
-              </a:rPr>
-              <a:t>, 183-194.</a:t>
-            </a:r>
-            <a:endParaRPr sz="2200"/>
-          </a:p>
-        </p:txBody>
-      </p:sp>
+      </p:pic>
     </p:spTree>
   </p:cSld>
   <p:clrMapOvr>
@@ -10436,7 +11471,7 @@
   <p:cSld>
     <p:spTree>
       <p:nvGrpSpPr>
-        <p:cNvPr id="103" name="Shape 103"/>
+        <p:cNvPr id="101" name="Shape 101"/>
         <p:cNvGrpSpPr/>
         <p:nvPr/>
       </p:nvGrpSpPr>
@@ -10448,417 +11483,24 @@
           <a:chExt cx="0" cy="0"/>
         </a:xfrm>
       </p:grpSpPr>
-      <p:sp>
-        <p:nvSpPr>
-          <p:cNvPr id="104" name="Google Shape;104;p21"/>
-          <p:cNvSpPr txBox="1"/>
-          <p:nvPr>
-            <p:ph type="title"/>
-          </p:nvPr>
-        </p:nvSpPr>
+      <p:pic>
+        <p:nvPicPr>
+          <p:cNvPr id="102" name="Google Shape;102;p21"/>
+          <p:cNvPicPr preferRelativeResize="0"/>
+          <p:nvPr/>
+        </p:nvPicPr>
+        <p:blipFill>
+          <a:blip r:embed="rId3">
+            <a:alphaModFix/>
+          </a:blip>
+          <a:stretch>
+            <a:fillRect/>
+          </a:stretch>
+        </p:blipFill>
         <p:spPr>
           <a:xfrm>
-            <a:off x="311700" y="445025"/>
-            <a:ext cx="8520600" cy="572700"/>
-          </a:xfrm>
-          <a:prstGeom prst="rect">
-            <a:avLst/>
-          </a:prstGeom>
-        </p:spPr>
-        <p:txBody>
-          <a:bodyPr anchorCtr="0" anchor="t" bIns="91425" lIns="91425" spcFirstLastPara="1" rIns="91425" wrap="square" tIns="91425">
-            <a:normAutofit fontScale="90000"/>
-          </a:bodyPr>
-          <a:lstStyle/>
-          <a:p>
-            <a:pPr indent="0" lvl="0" marL="0" rtl="0" algn="l">
-              <a:spcBef>
-                <a:spcPts val="0"/>
-              </a:spcBef>
-              <a:spcAft>
-                <a:spcPts val="0"/>
-              </a:spcAft>
-              <a:buNone/>
-            </a:pPr>
-            <a:r>
-              <a:rPr lang="en"/>
-              <a:t>Team Collaboration</a:t>
-            </a:r>
-            <a:endParaRPr/>
-          </a:p>
-        </p:txBody>
-      </p:sp>
-      <p:graphicFrame>
-        <p:nvGraphicFramePr>
-          <p:cNvPr id="105" name="Google Shape;105;p21"/>
-          <p:cNvGraphicFramePr/>
-          <p:nvPr/>
-        </p:nvGraphicFramePr>
-        <p:xfrm>
-          <a:off x="952500" y="1302450"/>
-          <a:ext cx="3000000" cy="3000000"/>
-        </p:xfrm>
-        <a:graphic>
-          <a:graphicData uri="http://schemas.openxmlformats.org/drawingml/2006/table">
-            <a:tbl>
-              <a:tblPr>
-                <a:noFill/>
-                <a:tableStyleId>{C987D26F-C1EE-44E0-BD61-43F13DC405A3}</a:tableStyleId>
-              </a:tblPr>
-              <a:tblGrid>
-                <a:gridCol w="3619500"/>
-                <a:gridCol w="3619500"/>
-              </a:tblGrid>
-              <a:tr h="381000">
-                <a:tc>
-                  <a:txBody>
-                    <a:bodyPr/>
-                    <a:lstStyle/>
-                    <a:p>
-                      <a:pPr indent="0" lvl="0" marL="0" rtl="0" algn="ctr">
-                        <a:spcBef>
-                          <a:spcPts val="0"/>
-                        </a:spcBef>
-                        <a:spcAft>
-                          <a:spcPts val="0"/>
-                        </a:spcAft>
-                        <a:buNone/>
-                      </a:pPr>
-                      <a:r>
-                        <a:rPr b="1" lang="en"/>
-                        <a:t>Task</a:t>
-                      </a:r>
-                      <a:endParaRPr b="1"/>
-                    </a:p>
-                  </a:txBody>
-                  <a:tcPr marT="91425" marB="91425" marR="91425" marL="91425" anchor="ctr"/>
-                </a:tc>
-                <a:tc>
-                  <a:txBody>
-                    <a:bodyPr/>
-                    <a:lstStyle/>
-                    <a:p>
-                      <a:pPr indent="0" lvl="0" marL="0" rtl="0" algn="ctr">
-                        <a:spcBef>
-                          <a:spcPts val="0"/>
-                        </a:spcBef>
-                        <a:spcAft>
-                          <a:spcPts val="0"/>
-                        </a:spcAft>
-                        <a:buNone/>
-                      </a:pPr>
-                      <a:r>
-                        <a:rPr b="1" lang="en"/>
-                        <a:t>Assigned to</a:t>
-                      </a:r>
-                      <a:endParaRPr b="1"/>
-                    </a:p>
-                  </a:txBody>
-                  <a:tcPr marT="91425" marB="91425" marR="91425" marL="91425" anchor="ctr"/>
-                </a:tc>
-              </a:tr>
-              <a:tr h="381000">
-                <a:tc>
-                  <a:txBody>
-                    <a:bodyPr/>
-                    <a:lstStyle/>
-                    <a:p>
-                      <a:pPr indent="0" lvl="0" marL="0" rtl="0" algn="ctr">
-                        <a:spcBef>
-                          <a:spcPts val="0"/>
-                        </a:spcBef>
-                        <a:spcAft>
-                          <a:spcPts val="0"/>
-                        </a:spcAft>
-                        <a:buNone/>
-                      </a:pPr>
-                      <a:r>
-                        <a:rPr lang="en"/>
-                        <a:t>Data Loading and Preprocessing</a:t>
-                      </a:r>
-                      <a:endParaRPr/>
-                    </a:p>
-                  </a:txBody>
-                  <a:tcPr marT="91425" marB="91425" marR="91425" marL="91425" anchor="ctr"/>
-                </a:tc>
-                <a:tc>
-                  <a:txBody>
-                    <a:bodyPr/>
-                    <a:lstStyle/>
-                    <a:p>
-                      <a:pPr indent="0" lvl="0" marL="0" rtl="0" algn="ctr">
-                        <a:spcBef>
-                          <a:spcPts val="0"/>
-                        </a:spcBef>
-                        <a:spcAft>
-                          <a:spcPts val="0"/>
-                        </a:spcAft>
-                        <a:buNone/>
-                      </a:pPr>
-                      <a:r>
-                        <a:rPr lang="en"/>
-                        <a:t>Afet Ibadova</a:t>
-                      </a:r>
-                      <a:endParaRPr/>
-                    </a:p>
-                  </a:txBody>
-                  <a:tcPr marT="91425" marB="91425" marR="91425" marL="91425" anchor="ctr"/>
-                </a:tc>
-              </a:tr>
-              <a:tr h="381000">
-                <a:tc>
-                  <a:txBody>
-                    <a:bodyPr/>
-                    <a:lstStyle/>
-                    <a:p>
-                      <a:pPr indent="0" lvl="0" marL="0" rtl="0" algn="ctr">
-                        <a:spcBef>
-                          <a:spcPts val="0"/>
-                        </a:spcBef>
-                        <a:spcAft>
-                          <a:spcPts val="0"/>
-                        </a:spcAft>
-                        <a:buNone/>
-                      </a:pPr>
-                      <a:r>
-                        <a:rPr lang="en"/>
-                        <a:t>EDA</a:t>
-                      </a:r>
-                      <a:endParaRPr/>
-                    </a:p>
-                  </a:txBody>
-                  <a:tcPr marT="91425" marB="91425" marR="91425" marL="91425" anchor="ctr"/>
-                </a:tc>
-                <a:tc>
-                  <a:txBody>
-                    <a:bodyPr/>
-                    <a:lstStyle/>
-                    <a:p>
-                      <a:pPr indent="0" lvl="0" marL="0" rtl="0" algn="ctr">
-                        <a:spcBef>
-                          <a:spcPts val="0"/>
-                        </a:spcBef>
-                        <a:spcAft>
-                          <a:spcPts val="0"/>
-                        </a:spcAft>
-                        <a:buNone/>
-                      </a:pPr>
-                      <a:r>
-                        <a:rPr lang="en"/>
-                        <a:t>Daryush Ray</a:t>
-                      </a:r>
-                      <a:endParaRPr/>
-                    </a:p>
-                  </a:txBody>
-                  <a:tcPr marT="91425" marB="91425" marR="91425" marL="91425" anchor="ctr"/>
-                </a:tc>
-              </a:tr>
-              <a:tr h="381000">
-                <a:tc>
-                  <a:txBody>
-                    <a:bodyPr/>
-                    <a:lstStyle/>
-                    <a:p>
-                      <a:pPr indent="0" lvl="0" marL="0" rtl="0" algn="ctr">
-                        <a:spcBef>
-                          <a:spcPts val="0"/>
-                        </a:spcBef>
-                        <a:spcAft>
-                          <a:spcPts val="0"/>
-                        </a:spcAft>
-                        <a:buNone/>
-                      </a:pPr>
-                      <a:r>
-                        <a:rPr lang="en"/>
-                        <a:t>Strategy 1</a:t>
-                      </a:r>
-                      <a:endParaRPr/>
-                    </a:p>
-                  </a:txBody>
-                  <a:tcPr marT="91425" marB="91425" marR="91425" marL="91425" anchor="ctr"/>
-                </a:tc>
-                <a:tc>
-                  <a:txBody>
-                    <a:bodyPr/>
-                    <a:lstStyle/>
-                    <a:p>
-                      <a:pPr indent="0" lvl="0" marL="0" rtl="0" algn="ctr">
-                        <a:spcBef>
-                          <a:spcPts val="0"/>
-                        </a:spcBef>
-                        <a:spcAft>
-                          <a:spcPts val="0"/>
-                        </a:spcAft>
-                        <a:buNone/>
-                      </a:pPr>
-                      <a:r>
-                        <a:rPr lang="en"/>
-                        <a:t>Afet Ibadova</a:t>
-                      </a:r>
-                      <a:endParaRPr/>
-                    </a:p>
-                  </a:txBody>
-                  <a:tcPr marT="91425" marB="91425" marR="91425" marL="91425" anchor="ctr"/>
-                </a:tc>
-              </a:tr>
-              <a:tr h="381000">
-                <a:tc>
-                  <a:txBody>
-                    <a:bodyPr/>
-                    <a:lstStyle/>
-                    <a:p>
-                      <a:pPr indent="0" lvl="0" marL="0" rtl="0" algn="ctr">
-                        <a:spcBef>
-                          <a:spcPts val="0"/>
-                        </a:spcBef>
-                        <a:spcAft>
-                          <a:spcPts val="0"/>
-                        </a:spcAft>
-                        <a:buNone/>
-                      </a:pPr>
-                      <a:r>
-                        <a:rPr lang="en"/>
-                        <a:t>Strategy 2</a:t>
-                      </a:r>
-                      <a:endParaRPr/>
-                    </a:p>
-                  </a:txBody>
-                  <a:tcPr marT="91425" marB="91425" marR="91425" marL="91425" anchor="ctr"/>
-                </a:tc>
-                <a:tc>
-                  <a:txBody>
-                    <a:bodyPr/>
-                    <a:lstStyle/>
-                    <a:p>
-                      <a:pPr indent="0" lvl="0" marL="0" rtl="0" algn="ctr">
-                        <a:spcBef>
-                          <a:spcPts val="0"/>
-                        </a:spcBef>
-                        <a:spcAft>
-                          <a:spcPts val="0"/>
-                        </a:spcAft>
-                        <a:buNone/>
-                      </a:pPr>
-                      <a:r>
-                        <a:rPr lang="en"/>
-                        <a:t>Daryush Ray</a:t>
-                      </a:r>
-                      <a:endParaRPr/>
-                    </a:p>
-                  </a:txBody>
-                  <a:tcPr marT="91425" marB="91425" marR="91425" marL="91425" anchor="ctr"/>
-                </a:tc>
-              </a:tr>
-              <a:tr h="381000">
-                <a:tc>
-                  <a:txBody>
-                    <a:bodyPr/>
-                    <a:lstStyle/>
-                    <a:p>
-                      <a:pPr indent="0" lvl="0" marL="0" rtl="0" algn="ctr">
-                        <a:spcBef>
-                          <a:spcPts val="0"/>
-                        </a:spcBef>
-                        <a:spcAft>
-                          <a:spcPts val="0"/>
-                        </a:spcAft>
-                        <a:buNone/>
-                      </a:pPr>
-                      <a:r>
-                        <a:rPr lang="en"/>
-                        <a:t>Performance Measures Calculation</a:t>
-                      </a:r>
-                      <a:endParaRPr/>
-                    </a:p>
-                  </a:txBody>
-                  <a:tcPr marT="91425" marB="91425" marR="91425" marL="91425" anchor="ctr"/>
-                </a:tc>
-                <a:tc>
-                  <a:txBody>
-                    <a:bodyPr/>
-                    <a:lstStyle/>
-                    <a:p>
-                      <a:pPr indent="0" lvl="0" marL="0" rtl="0" algn="ctr">
-                        <a:spcBef>
-                          <a:spcPts val="0"/>
-                        </a:spcBef>
-                        <a:spcAft>
-                          <a:spcPts val="0"/>
-                        </a:spcAft>
-                        <a:buNone/>
-                      </a:pPr>
-                      <a:r>
-                        <a:rPr lang="en"/>
-                        <a:t>Afet Ibadova</a:t>
-                      </a:r>
-                      <a:endParaRPr/>
-                    </a:p>
-                  </a:txBody>
-                  <a:tcPr marT="91425" marB="91425" marR="91425" marL="91425" anchor="ctr"/>
-                </a:tc>
-              </a:tr>
-              <a:tr h="381000">
-                <a:tc>
-                  <a:txBody>
-                    <a:bodyPr/>
-                    <a:lstStyle/>
-                    <a:p>
-                      <a:pPr indent="0" lvl="0" marL="0" rtl="0" algn="ctr">
-                        <a:spcBef>
-                          <a:spcPts val="0"/>
-                        </a:spcBef>
-                        <a:spcAft>
-                          <a:spcPts val="0"/>
-                        </a:spcAft>
-                        <a:buNone/>
-                      </a:pPr>
-                      <a:r>
-                        <a:rPr lang="en"/>
-                        <a:t>Optimization and Backtesting</a:t>
-                      </a:r>
-                      <a:endParaRPr/>
-                    </a:p>
-                  </a:txBody>
-                  <a:tcPr marT="91425" marB="91425" marR="91425" marL="91425" anchor="ctr"/>
-                </a:tc>
-                <a:tc>
-                  <a:txBody>
-                    <a:bodyPr/>
-                    <a:lstStyle/>
-                    <a:p>
-                      <a:pPr indent="0" lvl="0" marL="0" rtl="0" algn="ctr">
-                        <a:spcBef>
-                          <a:spcPts val="0"/>
-                        </a:spcBef>
-                        <a:spcAft>
-                          <a:spcPts val="0"/>
-                        </a:spcAft>
-                        <a:buNone/>
-                      </a:pPr>
-                      <a:r>
-                        <a:rPr lang="en"/>
-                        <a:t>Daryush Ray</a:t>
-                      </a:r>
-                      <a:endParaRPr/>
-                    </a:p>
-                  </a:txBody>
-                  <a:tcPr marT="91425" marB="91425" marR="91425" marL="91425" anchor="ctr"/>
-                </a:tc>
-              </a:tr>
-            </a:tbl>
-          </a:graphicData>
-        </a:graphic>
-      </p:graphicFrame>
-      <p:sp>
-        <p:nvSpPr>
-          <p:cNvPr id="106" name="Google Shape;106;p21"/>
-          <p:cNvSpPr txBox="1"/>
-          <p:nvPr/>
-        </p:nvSpPr>
-        <p:spPr>
-          <a:xfrm>
-            <a:off x="0" y="4804800"/>
-            <a:ext cx="4780800" cy="338700"/>
+            <a:off x="152400" y="318300"/>
+            <a:ext cx="8839197" cy="4419599"/>
           </a:xfrm>
           <a:prstGeom prst="rect">
             <a:avLst/>
@@ -10868,37 +11510,7 @@
             <a:noFill/>
           </a:ln>
         </p:spPr>
-        <p:txBody>
-          <a:bodyPr anchorCtr="0" anchor="t" bIns="91425" lIns="91425" spcFirstLastPara="1" rIns="91425" wrap="square" tIns="91425">
-            <a:spAutoFit/>
-          </a:bodyPr>
-          <a:lstStyle/>
-          <a:p>
-            <a:pPr indent="0" lvl="0" marL="0" rtl="0" algn="l">
-              <a:spcBef>
-                <a:spcPts val="0"/>
-              </a:spcBef>
-              <a:spcAft>
-                <a:spcPts val="0"/>
-              </a:spcAft>
-              <a:buNone/>
-            </a:pPr>
-            <a:r>
-              <a:rPr lang="en" sz="1000">
-                <a:solidFill>
-                  <a:schemeClr val="dk2"/>
-                </a:solidFill>
-              </a:rPr>
-              <a:t>https://github.com/astronaut505/tradingtroll</a:t>
-            </a:r>
-            <a:endParaRPr sz="1000">
-              <a:solidFill>
-                <a:schemeClr val="dk2"/>
-              </a:solidFill>
-            </a:endParaRPr>
-          </a:p>
-        </p:txBody>
-      </p:sp>
+      </p:pic>
     </p:spTree>
   </p:cSld>
   <p:clrMapOvr>
